--- a/다빈치의 소주잔 기획안/다빈치의 소주잔 1차 기획안.pptx
+++ b/다빈치의 소주잔 기획안/다빈치의 소주잔 1차 기획안.pptx
@@ -206,7 +206,7 @@
           <a:p>
             <a:fld id="{C7495045-B49C-48CF-9D43-1E11641050DF}" type="datetimeFigureOut">
               <a:rPr lang="ko-KR" altLang="en-US" smtClean="0"/>
-              <a:t>2019-09-16</a:t>
+              <a:t>2019-09-18</a:t>
             </a:fld>
             <a:endParaRPr lang="ko-KR" altLang="en-US"/>
           </a:p>
@@ -883,7 +883,7 @@
           <a:p>
             <a:fld id="{B2F6C06A-5167-4228-B3D9-70B419E68C06}" type="datetimeFigureOut">
               <a:rPr lang="ko-KR" altLang="en-US" smtClean="0"/>
-              <a:t>2019-09-16</a:t>
+              <a:t>2019-09-18</a:t>
             </a:fld>
             <a:endParaRPr lang="ko-KR" altLang="en-US"/>
           </a:p>
@@ -1053,7 +1053,7 @@
           <a:p>
             <a:fld id="{B2F6C06A-5167-4228-B3D9-70B419E68C06}" type="datetimeFigureOut">
               <a:rPr lang="ko-KR" altLang="en-US" smtClean="0"/>
-              <a:t>2019-09-16</a:t>
+              <a:t>2019-09-18</a:t>
             </a:fld>
             <a:endParaRPr lang="ko-KR" altLang="en-US"/>
           </a:p>
@@ -1233,7 +1233,7 @@
           <a:p>
             <a:fld id="{B2F6C06A-5167-4228-B3D9-70B419E68C06}" type="datetimeFigureOut">
               <a:rPr lang="ko-KR" altLang="en-US" smtClean="0"/>
-              <a:t>2019-09-16</a:t>
+              <a:t>2019-09-18</a:t>
             </a:fld>
             <a:endParaRPr lang="ko-KR" altLang="en-US"/>
           </a:p>
@@ -1403,7 +1403,7 @@
           <a:p>
             <a:fld id="{B2F6C06A-5167-4228-B3D9-70B419E68C06}" type="datetimeFigureOut">
               <a:rPr lang="ko-KR" altLang="en-US" smtClean="0"/>
-              <a:t>2019-09-16</a:t>
+              <a:t>2019-09-18</a:t>
             </a:fld>
             <a:endParaRPr lang="ko-KR" altLang="en-US"/>
           </a:p>
@@ -1647,7 +1647,7 @@
           <a:p>
             <a:fld id="{B2F6C06A-5167-4228-B3D9-70B419E68C06}" type="datetimeFigureOut">
               <a:rPr lang="ko-KR" altLang="en-US" smtClean="0"/>
-              <a:t>2019-09-16</a:t>
+              <a:t>2019-09-18</a:t>
             </a:fld>
             <a:endParaRPr lang="ko-KR" altLang="en-US"/>
           </a:p>
@@ -1879,7 +1879,7 @@
           <a:p>
             <a:fld id="{B2F6C06A-5167-4228-B3D9-70B419E68C06}" type="datetimeFigureOut">
               <a:rPr lang="ko-KR" altLang="en-US" smtClean="0"/>
-              <a:t>2019-09-16</a:t>
+              <a:t>2019-09-18</a:t>
             </a:fld>
             <a:endParaRPr lang="ko-KR" altLang="en-US"/>
           </a:p>
@@ -2246,7 +2246,7 @@
           <a:p>
             <a:fld id="{B2F6C06A-5167-4228-B3D9-70B419E68C06}" type="datetimeFigureOut">
               <a:rPr lang="ko-KR" altLang="en-US" smtClean="0"/>
-              <a:t>2019-09-16</a:t>
+              <a:t>2019-09-18</a:t>
             </a:fld>
             <a:endParaRPr lang="ko-KR" altLang="en-US"/>
           </a:p>
@@ -2364,7 +2364,7 @@
           <a:p>
             <a:fld id="{B2F6C06A-5167-4228-B3D9-70B419E68C06}" type="datetimeFigureOut">
               <a:rPr lang="ko-KR" altLang="en-US" smtClean="0"/>
-              <a:t>2019-09-16</a:t>
+              <a:t>2019-09-18</a:t>
             </a:fld>
             <a:endParaRPr lang="ko-KR" altLang="en-US"/>
           </a:p>
@@ -2459,7 +2459,7 @@
           <a:p>
             <a:fld id="{B2F6C06A-5167-4228-B3D9-70B419E68C06}" type="datetimeFigureOut">
               <a:rPr lang="ko-KR" altLang="en-US" smtClean="0"/>
-              <a:t>2019-09-16</a:t>
+              <a:t>2019-09-18</a:t>
             </a:fld>
             <a:endParaRPr lang="ko-KR" altLang="en-US"/>
           </a:p>
@@ -2736,7 +2736,7 @@
           <a:p>
             <a:fld id="{B2F6C06A-5167-4228-B3D9-70B419E68C06}" type="datetimeFigureOut">
               <a:rPr lang="ko-KR" altLang="en-US" smtClean="0"/>
-              <a:t>2019-09-16</a:t>
+              <a:t>2019-09-18</a:t>
             </a:fld>
             <a:endParaRPr lang="ko-KR" altLang="en-US"/>
           </a:p>
@@ -2993,7 +2993,7 @@
           <a:p>
             <a:fld id="{B2F6C06A-5167-4228-B3D9-70B419E68C06}" type="datetimeFigureOut">
               <a:rPr lang="ko-KR" altLang="en-US" smtClean="0"/>
-              <a:t>2019-09-16</a:t>
+              <a:t>2019-09-18</a:t>
             </a:fld>
             <a:endParaRPr lang="ko-KR" altLang="en-US"/>
           </a:p>
@@ -3209,7 +3209,7 @@
           <a:p>
             <a:fld id="{B2F6C06A-5167-4228-B3D9-70B419E68C06}" type="datetimeFigureOut">
               <a:rPr lang="ko-KR" altLang="en-US" smtClean="0"/>
-              <a:t>2019-09-16</a:t>
+              <a:t>2019-09-18</a:t>
             </a:fld>
             <a:endParaRPr lang="ko-KR" altLang="en-US"/>
           </a:p>
@@ -3619,7 +3619,7 @@
           <p:cNvPr id="4" name="직사각형 3">
             <a:extLst>
               <a:ext uri="{FF2B5EF4-FFF2-40B4-BE49-F238E27FC236}">
-                <a16:creationId xmlns="" xmlns:a16="http://schemas.microsoft.com/office/drawing/2014/main" id="{8E28AE41-39E8-450A-8E8C-3C7F79645CC9}"/>
+                <a16:creationId xmlns:a16="http://schemas.microsoft.com/office/drawing/2014/main" xmlns="" id="{8E28AE41-39E8-450A-8E8C-3C7F79645CC9}"/>
               </a:ext>
             </a:extLst>
           </p:cNvPr>
@@ -3673,7 +3673,7 @@
           <p:cNvPr id="5" name="TextBox 4">
             <a:extLst>
               <a:ext uri="{FF2B5EF4-FFF2-40B4-BE49-F238E27FC236}">
-                <a16:creationId xmlns="" xmlns:a16="http://schemas.microsoft.com/office/drawing/2014/main" id="{467434EB-9011-4C51-85CB-C6A8CBC7BCCD}"/>
+                <a16:creationId xmlns:a16="http://schemas.microsoft.com/office/drawing/2014/main" xmlns="" id="{467434EB-9011-4C51-85CB-C6A8CBC7BCCD}"/>
               </a:ext>
             </a:extLst>
           </p:cNvPr>
@@ -3851,7 +3851,7 @@
           <p:cNvPr id="9" name="그림 8">
             <a:extLst>
               <a:ext uri="{FF2B5EF4-FFF2-40B4-BE49-F238E27FC236}">
-                <a16:creationId xmlns="" xmlns:a16="http://schemas.microsoft.com/office/drawing/2014/main" id="{BA6307BF-56EE-4BE3-86D3-E3F80A9064C1}"/>
+                <a16:creationId xmlns:a16="http://schemas.microsoft.com/office/drawing/2014/main" xmlns="" id="{BA6307BF-56EE-4BE3-86D3-E3F80A9064C1}"/>
               </a:ext>
             </a:extLst>
           </p:cNvPr>
@@ -3916,7 +3916,7 @@
           <p:cNvPr id="10" name="TextBox 9">
             <a:extLst>
               <a:ext uri="{FF2B5EF4-FFF2-40B4-BE49-F238E27FC236}">
-                <a16:creationId xmlns="" xmlns:a16="http://schemas.microsoft.com/office/drawing/2014/main" id="{F824082B-B414-4425-AF71-5305E8B4881C}"/>
+                <a16:creationId xmlns:a16="http://schemas.microsoft.com/office/drawing/2014/main" xmlns="" id="{F824082B-B414-4425-AF71-5305E8B4881C}"/>
               </a:ext>
             </a:extLst>
           </p:cNvPr>
@@ -4163,7 +4163,7 @@
           <p:cNvPr id="3" name="직사각형 2">
             <a:extLst>
               <a:ext uri="{FF2B5EF4-FFF2-40B4-BE49-F238E27FC236}">
-                <a16:creationId xmlns="" xmlns:a16="http://schemas.microsoft.com/office/drawing/2014/main" id="{24226CFB-2449-4A2B-B168-A1DE28C29CF7}"/>
+                <a16:creationId xmlns:a16="http://schemas.microsoft.com/office/drawing/2014/main" xmlns="" id="{24226CFB-2449-4A2B-B168-A1DE28C29CF7}"/>
               </a:ext>
             </a:extLst>
           </p:cNvPr>
@@ -4217,7 +4217,7 @@
           <p:cNvPr id="10" name="TextBox 9">
             <a:extLst>
               <a:ext uri="{FF2B5EF4-FFF2-40B4-BE49-F238E27FC236}">
-                <a16:creationId xmlns="" xmlns:a16="http://schemas.microsoft.com/office/drawing/2014/main" id="{F6515F39-A6A7-4D3C-BA5D-136CDE36BBDA}"/>
+                <a16:creationId xmlns:a16="http://schemas.microsoft.com/office/drawing/2014/main" xmlns="" id="{F6515F39-A6A7-4D3C-BA5D-136CDE36BBDA}"/>
               </a:ext>
             </a:extLst>
           </p:cNvPr>
@@ -4313,7 +4313,7 @@
           <p:cNvPr id="6" name="TextBox 5">
             <a:extLst>
               <a:ext uri="{FF2B5EF4-FFF2-40B4-BE49-F238E27FC236}">
-                <a16:creationId xmlns="" xmlns:a16="http://schemas.microsoft.com/office/drawing/2014/main" id="{F824082B-B414-4425-AF71-5305E8B4881C}"/>
+                <a16:creationId xmlns:a16="http://schemas.microsoft.com/office/drawing/2014/main" xmlns="" id="{F824082B-B414-4425-AF71-5305E8B4881C}"/>
               </a:ext>
             </a:extLst>
           </p:cNvPr>
@@ -4466,7 +4466,7 @@
           <p:cNvPr id="37" name="그룹 36">
             <a:extLst>
               <a:ext uri="{FF2B5EF4-FFF2-40B4-BE49-F238E27FC236}">
-                <a16:creationId xmlns="" xmlns:a16="http://schemas.microsoft.com/office/drawing/2014/main" id="{03EEAEDF-B653-4BFA-9C68-E1E2055CDAC5}"/>
+                <a16:creationId xmlns:a16="http://schemas.microsoft.com/office/drawing/2014/main" xmlns="" id="{03EEAEDF-B653-4BFA-9C68-E1E2055CDAC5}"/>
               </a:ext>
             </a:extLst>
           </p:cNvPr>
@@ -4486,7 +4486,7 @@
             <p:cNvPr id="33" name="직사각형 32">
               <a:extLst>
                 <a:ext uri="{FF2B5EF4-FFF2-40B4-BE49-F238E27FC236}">
-                  <a16:creationId xmlns="" xmlns:a16="http://schemas.microsoft.com/office/drawing/2014/main" id="{2CF55043-03B0-4792-827C-4B8CC375DCF5}"/>
+                  <a16:creationId xmlns:a16="http://schemas.microsoft.com/office/drawing/2014/main" xmlns="" id="{2CF55043-03B0-4792-827C-4B8CC375DCF5}"/>
                 </a:ext>
               </a:extLst>
             </p:cNvPr>
@@ -4538,7 +4538,7 @@
             <p:cNvPr id="10" name="TextBox 9">
               <a:extLst>
                 <a:ext uri="{FF2B5EF4-FFF2-40B4-BE49-F238E27FC236}">
-                  <a16:creationId xmlns="" xmlns:a16="http://schemas.microsoft.com/office/drawing/2014/main" id="{236D3228-211E-4B31-A0BB-2C8A9FE67D13}"/>
+                  <a16:creationId xmlns:a16="http://schemas.microsoft.com/office/drawing/2014/main" xmlns="" id="{236D3228-211E-4B31-A0BB-2C8A9FE67D13}"/>
                 </a:ext>
               </a:extLst>
             </p:cNvPr>
@@ -4635,7 +4635,7 @@
           <p:cNvPr id="2" name="직사각형 1">
             <a:extLst>
               <a:ext uri="{FF2B5EF4-FFF2-40B4-BE49-F238E27FC236}">
-                <a16:creationId xmlns="" xmlns:a16="http://schemas.microsoft.com/office/drawing/2014/main" id="{29B8A548-8C0B-4EFC-9ADD-210F8B2F79ED}"/>
+                <a16:creationId xmlns:a16="http://schemas.microsoft.com/office/drawing/2014/main" xmlns="" id="{29B8A548-8C0B-4EFC-9ADD-210F8B2F79ED}"/>
               </a:ext>
             </a:extLst>
           </p:cNvPr>
@@ -4689,7 +4689,7 @@
           <p:cNvPr id="3" name="TextBox 2">
             <a:extLst>
               <a:ext uri="{FF2B5EF4-FFF2-40B4-BE49-F238E27FC236}">
-                <a16:creationId xmlns="" xmlns:a16="http://schemas.microsoft.com/office/drawing/2014/main" id="{2F0DC4C2-2FF7-48E4-AC44-1BF57CB637CB}"/>
+                <a16:creationId xmlns:a16="http://schemas.microsoft.com/office/drawing/2014/main" xmlns="" id="{2F0DC4C2-2FF7-48E4-AC44-1BF57CB637CB}"/>
               </a:ext>
             </a:extLst>
           </p:cNvPr>
@@ -4776,7 +4776,7 @@
           <p:cNvPr id="35" name="그룹 34">
             <a:extLst>
               <a:ext uri="{FF2B5EF4-FFF2-40B4-BE49-F238E27FC236}">
-                <a16:creationId xmlns="" xmlns:a16="http://schemas.microsoft.com/office/drawing/2014/main" id="{98ECF073-F406-402D-923A-C3AF95595FA0}"/>
+                <a16:creationId xmlns:a16="http://schemas.microsoft.com/office/drawing/2014/main" xmlns="" id="{98ECF073-F406-402D-923A-C3AF95595FA0}"/>
               </a:ext>
             </a:extLst>
           </p:cNvPr>
@@ -4796,7 +4796,7 @@
             <p:cNvPr id="31" name="직사각형 30">
               <a:extLst>
                 <a:ext uri="{FF2B5EF4-FFF2-40B4-BE49-F238E27FC236}">
-                  <a16:creationId xmlns="" xmlns:a16="http://schemas.microsoft.com/office/drawing/2014/main" id="{0CFB613C-267E-4E0B-B18F-AD5E0BF0BEBC}"/>
+                  <a16:creationId xmlns:a16="http://schemas.microsoft.com/office/drawing/2014/main" xmlns="" id="{0CFB613C-267E-4E0B-B18F-AD5E0BF0BEBC}"/>
                 </a:ext>
               </a:extLst>
             </p:cNvPr>
@@ -4848,7 +4848,7 @@
             <p:cNvPr id="8" name="TextBox 7">
               <a:extLst>
                 <a:ext uri="{FF2B5EF4-FFF2-40B4-BE49-F238E27FC236}">
-                  <a16:creationId xmlns="" xmlns:a16="http://schemas.microsoft.com/office/drawing/2014/main" id="{F6515F39-A6A7-4D3C-BA5D-136CDE36BBDA}"/>
+                  <a16:creationId xmlns:a16="http://schemas.microsoft.com/office/drawing/2014/main" xmlns="" id="{F6515F39-A6A7-4D3C-BA5D-136CDE36BBDA}"/>
                 </a:ext>
               </a:extLst>
             </p:cNvPr>
@@ -4962,7 +4962,7 @@
           <p:cNvPr id="36" name="그룹 35">
             <a:extLst>
               <a:ext uri="{FF2B5EF4-FFF2-40B4-BE49-F238E27FC236}">
-                <a16:creationId xmlns="" xmlns:a16="http://schemas.microsoft.com/office/drawing/2014/main" id="{ACEFCFC3-DE11-4A64-9A25-39DCAABF0880}"/>
+                <a16:creationId xmlns:a16="http://schemas.microsoft.com/office/drawing/2014/main" xmlns="" id="{ACEFCFC3-DE11-4A64-9A25-39DCAABF0880}"/>
               </a:ext>
             </a:extLst>
           </p:cNvPr>
@@ -4982,7 +4982,7 @@
             <p:cNvPr id="32" name="직사각형 31">
               <a:extLst>
                 <a:ext uri="{FF2B5EF4-FFF2-40B4-BE49-F238E27FC236}">
-                  <a16:creationId xmlns="" xmlns:a16="http://schemas.microsoft.com/office/drawing/2014/main" id="{02B719F9-C8BE-4B4E-99FA-25BC4F238EB9}"/>
+                  <a16:creationId xmlns:a16="http://schemas.microsoft.com/office/drawing/2014/main" xmlns="" id="{02B719F9-C8BE-4B4E-99FA-25BC4F238EB9}"/>
                 </a:ext>
               </a:extLst>
             </p:cNvPr>
@@ -5034,7 +5034,7 @@
             <p:cNvPr id="9" name="TextBox 8">
               <a:extLst>
                 <a:ext uri="{FF2B5EF4-FFF2-40B4-BE49-F238E27FC236}">
-                  <a16:creationId xmlns="" xmlns:a16="http://schemas.microsoft.com/office/drawing/2014/main" id="{1ABFE3BE-2823-4E61-8D80-6CE4F6DF75E2}"/>
+                  <a16:creationId xmlns:a16="http://schemas.microsoft.com/office/drawing/2014/main" xmlns="" id="{1ABFE3BE-2823-4E61-8D80-6CE4F6DF75E2}"/>
                 </a:ext>
               </a:extLst>
             </p:cNvPr>
@@ -5179,7 +5179,7 @@
             <p:cNvPr id="19" name="직사각형 18">
               <a:extLst>
                 <a:ext uri="{FF2B5EF4-FFF2-40B4-BE49-F238E27FC236}">
-                  <a16:creationId xmlns="" xmlns:a16="http://schemas.microsoft.com/office/drawing/2014/main" id="{0CFB613C-267E-4E0B-B18F-AD5E0BF0BEBC}"/>
+                  <a16:creationId xmlns:a16="http://schemas.microsoft.com/office/drawing/2014/main" xmlns="" id="{0CFB613C-267E-4E0B-B18F-AD5E0BF0BEBC}"/>
                 </a:ext>
               </a:extLst>
             </p:cNvPr>
@@ -5231,7 +5231,7 @@
             <p:cNvPr id="18" name="TextBox 17">
               <a:extLst>
                 <a:ext uri="{FF2B5EF4-FFF2-40B4-BE49-F238E27FC236}">
-                  <a16:creationId xmlns="" xmlns:a16="http://schemas.microsoft.com/office/drawing/2014/main" id="{F6515F39-A6A7-4D3C-BA5D-136CDE36BBDA}"/>
+                  <a16:creationId xmlns:a16="http://schemas.microsoft.com/office/drawing/2014/main" xmlns="" id="{F6515F39-A6A7-4D3C-BA5D-136CDE36BBDA}"/>
                 </a:ext>
               </a:extLst>
             </p:cNvPr>
@@ -5328,7 +5328,7 @@
           <p:cNvPr id="20" name="그룹 19">
             <a:extLst>
               <a:ext uri="{FF2B5EF4-FFF2-40B4-BE49-F238E27FC236}">
-                <a16:creationId xmlns="" xmlns:a16="http://schemas.microsoft.com/office/drawing/2014/main" id="{D0F237A6-5186-4BF9-9E8E-51D2A9A25841}"/>
+                <a16:creationId xmlns:a16="http://schemas.microsoft.com/office/drawing/2014/main" xmlns="" id="{D0F237A6-5186-4BF9-9E8E-51D2A9A25841}"/>
               </a:ext>
             </a:extLst>
           </p:cNvPr>
@@ -5348,7 +5348,7 @@
             <p:cNvPr id="21" name="직사각형 20">
               <a:extLst>
                 <a:ext uri="{FF2B5EF4-FFF2-40B4-BE49-F238E27FC236}">
-                  <a16:creationId xmlns="" xmlns:a16="http://schemas.microsoft.com/office/drawing/2014/main" id="{1B752B49-1909-4F7C-9087-1E1EE1014180}"/>
+                  <a16:creationId xmlns:a16="http://schemas.microsoft.com/office/drawing/2014/main" xmlns="" id="{1B752B49-1909-4F7C-9087-1E1EE1014180}"/>
                 </a:ext>
               </a:extLst>
             </p:cNvPr>
@@ -5400,7 +5400,7 @@
             <p:cNvPr id="22" name="TextBox 21">
               <a:extLst>
                 <a:ext uri="{FF2B5EF4-FFF2-40B4-BE49-F238E27FC236}">
-                  <a16:creationId xmlns="" xmlns:a16="http://schemas.microsoft.com/office/drawing/2014/main" id="{8B306227-736C-4D45-8DB0-7E97059CEF35}"/>
+                  <a16:creationId xmlns:a16="http://schemas.microsoft.com/office/drawing/2014/main" xmlns="" id="{8B306227-736C-4D45-8DB0-7E97059CEF35}"/>
                 </a:ext>
               </a:extLst>
             </p:cNvPr>
@@ -5589,7 +5589,7 @@
 </file>
 
 <file path=ppt/slides/slide3.xml><?xml version="1.0" encoding="utf-8"?>
-<p:sld xmlns:a="http://schemas.openxmlformats.org/drawingml/2006/main" xmlns:r="http://schemas.openxmlformats.org/officeDocument/2006/relationships" xmlns:p="http://schemas.openxmlformats.org/presentationml/2006/main">
+<p:sld xmlns:a="http://schemas.openxmlformats.org/drawingml/2006/main" xmlns:r="http://schemas.openxmlformats.org/officeDocument/2006/relationships" xmlns:p="http://schemas.openxmlformats.org/presentationml/2006/main" show="0">
   <p:cSld>
     <p:spTree>
       <p:nvGrpSpPr>
@@ -5610,7 +5610,7 @@
           <p:cNvPr id="3" name="직사각형 2">
             <a:extLst>
               <a:ext uri="{FF2B5EF4-FFF2-40B4-BE49-F238E27FC236}">
-                <a16:creationId xmlns="" xmlns:a16="http://schemas.microsoft.com/office/drawing/2014/main" id="{24226CFB-2449-4A2B-B168-A1DE28C29CF7}"/>
+                <a16:creationId xmlns:a16="http://schemas.microsoft.com/office/drawing/2014/main" xmlns="" id="{24226CFB-2449-4A2B-B168-A1DE28C29CF7}"/>
               </a:ext>
             </a:extLst>
           </p:cNvPr>
@@ -5664,7 +5664,7 @@
           <p:cNvPr id="4" name="TextBox 3">
             <a:extLst>
               <a:ext uri="{FF2B5EF4-FFF2-40B4-BE49-F238E27FC236}">
-                <a16:creationId xmlns="" xmlns:a16="http://schemas.microsoft.com/office/drawing/2014/main" id="{FEAB4C9F-F085-4FC2-AF85-233C7A045710}"/>
+                <a16:creationId xmlns:a16="http://schemas.microsoft.com/office/drawing/2014/main" xmlns="" id="{FEAB4C9F-F085-4FC2-AF85-233C7A045710}"/>
               </a:ext>
             </a:extLst>
           </p:cNvPr>
@@ -5897,7 +5897,7 @@
           <p:cNvPr id="5" name="왼쪽 중괄호 4">
             <a:extLst>
               <a:ext uri="{FF2B5EF4-FFF2-40B4-BE49-F238E27FC236}">
-                <a16:creationId xmlns="" xmlns:a16="http://schemas.microsoft.com/office/drawing/2014/main" id="{164B3AA7-CBE0-4747-B5BD-D52E88CAB62A}"/>
+                <a16:creationId xmlns:a16="http://schemas.microsoft.com/office/drawing/2014/main" xmlns="" id="{164B3AA7-CBE0-4747-B5BD-D52E88CAB62A}"/>
               </a:ext>
             </a:extLst>
           </p:cNvPr>
@@ -5950,7 +5950,7 @@
           <p:cNvPr id="15" name="왼쪽 중괄호 14">
             <a:extLst>
               <a:ext uri="{FF2B5EF4-FFF2-40B4-BE49-F238E27FC236}">
-                <a16:creationId xmlns="" xmlns:a16="http://schemas.microsoft.com/office/drawing/2014/main" id="{5BB77D92-348C-4278-98AD-B7C4F77C7BDB}"/>
+                <a16:creationId xmlns:a16="http://schemas.microsoft.com/office/drawing/2014/main" xmlns="" id="{5BB77D92-348C-4278-98AD-B7C4F77C7BDB}"/>
               </a:ext>
             </a:extLst>
           </p:cNvPr>
@@ -6003,7 +6003,7 @@
           <p:cNvPr id="17" name="왼쪽 중괄호 16">
             <a:extLst>
               <a:ext uri="{FF2B5EF4-FFF2-40B4-BE49-F238E27FC236}">
-                <a16:creationId xmlns="" xmlns:a16="http://schemas.microsoft.com/office/drawing/2014/main" id="{232471C7-B8AE-41B9-A4B3-EE6312CA8796}"/>
+                <a16:creationId xmlns:a16="http://schemas.microsoft.com/office/drawing/2014/main" xmlns="" id="{232471C7-B8AE-41B9-A4B3-EE6312CA8796}"/>
               </a:ext>
             </a:extLst>
           </p:cNvPr>
@@ -6057,7 +6057,7 @@
           <p:cNvPr id="18" name="TextBox 17">
             <a:extLst>
               <a:ext uri="{FF2B5EF4-FFF2-40B4-BE49-F238E27FC236}">
-                <a16:creationId xmlns="" xmlns:a16="http://schemas.microsoft.com/office/drawing/2014/main" id="{A4A2F6EC-2EE6-4E77-A4BB-86B44460DB1E}"/>
+                <a16:creationId xmlns:a16="http://schemas.microsoft.com/office/drawing/2014/main" xmlns="" id="{A4A2F6EC-2EE6-4E77-A4BB-86B44460DB1E}"/>
               </a:ext>
             </a:extLst>
           </p:cNvPr>
@@ -6187,7 +6187,7 @@
           <p:cNvPr id="19" name="TextBox 18">
             <a:extLst>
               <a:ext uri="{FF2B5EF4-FFF2-40B4-BE49-F238E27FC236}">
-                <a16:creationId xmlns="" xmlns:a16="http://schemas.microsoft.com/office/drawing/2014/main" id="{D5A5DF7A-9ED2-46C8-9B37-746664583FF8}"/>
+                <a16:creationId xmlns:a16="http://schemas.microsoft.com/office/drawing/2014/main" xmlns="" id="{D5A5DF7A-9ED2-46C8-9B37-746664583FF8}"/>
               </a:ext>
             </a:extLst>
           </p:cNvPr>
@@ -6300,7 +6300,7 @@
           <p:cNvPr id="25" name="그룹 24">
             <a:extLst>
               <a:ext uri="{FF2B5EF4-FFF2-40B4-BE49-F238E27FC236}">
-                <a16:creationId xmlns="" xmlns:a16="http://schemas.microsoft.com/office/drawing/2014/main" id="{5FB3F64E-F18D-4590-8B63-152CFF225553}"/>
+                <a16:creationId xmlns:a16="http://schemas.microsoft.com/office/drawing/2014/main" xmlns="" id="{5FB3F64E-F18D-4590-8B63-152CFF225553}"/>
               </a:ext>
             </a:extLst>
           </p:cNvPr>
@@ -6320,7 +6320,7 @@
             <p:cNvPr id="23" name="TextBox 22">
               <a:extLst>
                 <a:ext uri="{FF2B5EF4-FFF2-40B4-BE49-F238E27FC236}">
-                  <a16:creationId xmlns="" xmlns:a16="http://schemas.microsoft.com/office/drawing/2014/main" id="{2A017A51-3134-4EC9-B015-0A5590E7D436}"/>
+                  <a16:creationId xmlns:a16="http://schemas.microsoft.com/office/drawing/2014/main" xmlns="" id="{2A017A51-3134-4EC9-B015-0A5590E7D436}"/>
                 </a:ext>
               </a:extLst>
             </p:cNvPr>
@@ -6471,7 +6471,7 @@
             <p:cNvPr id="24" name="양쪽 대괄호 23">
               <a:extLst>
                 <a:ext uri="{FF2B5EF4-FFF2-40B4-BE49-F238E27FC236}">
-                  <a16:creationId xmlns="" xmlns:a16="http://schemas.microsoft.com/office/drawing/2014/main" id="{432CAC59-CAFD-4598-9F10-4BD2EDD5EEC2}"/>
+                  <a16:creationId xmlns:a16="http://schemas.microsoft.com/office/drawing/2014/main" xmlns="" id="{432CAC59-CAFD-4598-9F10-4BD2EDD5EEC2}"/>
                 </a:ext>
               </a:extLst>
             </p:cNvPr>
@@ -6521,7 +6521,7 @@
           <p:cNvPr id="26" name="그룹 25">
             <a:extLst>
               <a:ext uri="{FF2B5EF4-FFF2-40B4-BE49-F238E27FC236}">
-                <a16:creationId xmlns="" xmlns:a16="http://schemas.microsoft.com/office/drawing/2014/main" id="{D0DBD45B-4604-4993-AC65-3E89910EC032}"/>
+                <a16:creationId xmlns:a16="http://schemas.microsoft.com/office/drawing/2014/main" xmlns="" id="{D0DBD45B-4604-4993-AC65-3E89910EC032}"/>
               </a:ext>
             </a:extLst>
           </p:cNvPr>
@@ -6541,7 +6541,7 @@
             <p:cNvPr id="27" name="TextBox 26">
               <a:extLst>
                 <a:ext uri="{FF2B5EF4-FFF2-40B4-BE49-F238E27FC236}">
-                  <a16:creationId xmlns="" xmlns:a16="http://schemas.microsoft.com/office/drawing/2014/main" id="{5D79C2AD-4EDF-4369-912E-B524161988A7}"/>
+                  <a16:creationId xmlns:a16="http://schemas.microsoft.com/office/drawing/2014/main" xmlns="" id="{5D79C2AD-4EDF-4369-912E-B524161988A7}"/>
                 </a:ext>
               </a:extLst>
             </p:cNvPr>
@@ -6675,7 +6675,7 @@
             <p:cNvPr id="28" name="양쪽 대괄호 27">
               <a:extLst>
                 <a:ext uri="{FF2B5EF4-FFF2-40B4-BE49-F238E27FC236}">
-                  <a16:creationId xmlns="" xmlns:a16="http://schemas.microsoft.com/office/drawing/2014/main" id="{4522810F-DDC4-4269-95AC-EC5ABC6653E3}"/>
+                  <a16:creationId xmlns:a16="http://schemas.microsoft.com/office/drawing/2014/main" xmlns="" id="{4522810F-DDC4-4269-95AC-EC5ABC6653E3}"/>
                 </a:ext>
               </a:extLst>
             </p:cNvPr>
@@ -6725,7 +6725,7 @@
           <p:cNvPr id="20" name="그룹 19">
             <a:extLst>
               <a:ext uri="{FF2B5EF4-FFF2-40B4-BE49-F238E27FC236}">
-                <a16:creationId xmlns="" xmlns:a16="http://schemas.microsoft.com/office/drawing/2014/main" id="{D0F237A6-5186-4BF9-9E8E-51D2A9A25841}"/>
+                <a16:creationId xmlns:a16="http://schemas.microsoft.com/office/drawing/2014/main" xmlns="" id="{D0F237A6-5186-4BF9-9E8E-51D2A9A25841}"/>
               </a:ext>
             </a:extLst>
           </p:cNvPr>
@@ -6745,7 +6745,7 @@
             <p:cNvPr id="21" name="직사각형 20">
               <a:extLst>
                 <a:ext uri="{FF2B5EF4-FFF2-40B4-BE49-F238E27FC236}">
-                  <a16:creationId xmlns="" xmlns:a16="http://schemas.microsoft.com/office/drawing/2014/main" id="{1B752B49-1909-4F7C-9087-1E1EE1014180}"/>
+                  <a16:creationId xmlns:a16="http://schemas.microsoft.com/office/drawing/2014/main" xmlns="" id="{1B752B49-1909-4F7C-9087-1E1EE1014180}"/>
                 </a:ext>
               </a:extLst>
             </p:cNvPr>
@@ -6797,7 +6797,7 @@
             <p:cNvPr id="22" name="TextBox 21">
               <a:extLst>
                 <a:ext uri="{FF2B5EF4-FFF2-40B4-BE49-F238E27FC236}">
-                  <a16:creationId xmlns="" xmlns:a16="http://schemas.microsoft.com/office/drawing/2014/main" id="{8B306227-736C-4D45-8DB0-7E97059CEF35}"/>
+                  <a16:creationId xmlns:a16="http://schemas.microsoft.com/office/drawing/2014/main" xmlns="" id="{8B306227-736C-4D45-8DB0-7E97059CEF35}"/>
                 </a:ext>
               </a:extLst>
             </p:cNvPr>
@@ -6985,6 +6985,14 @@
   <p:clrMapOvr>
     <a:masterClrMapping/>
   </p:clrMapOvr>
+  <mc:AlternateContent xmlns:mc="http://schemas.openxmlformats.org/markup-compatibility/2006">
+    <mc:Choice xmlns:p14="http://schemas.microsoft.com/office/powerpoint/2010/main" Requires="p14">
+      <p:transition spd="slow" p14:dur="2000"/>
+    </mc:Choice>
+    <mc:Fallback>
+      <p:transition spd="slow"/>
+    </mc:Fallback>
+  </mc:AlternateContent>
   <p:timing>
     <p:tnLst>
       <p:par>
@@ -7017,7 +7025,7 @@
           <p:cNvPr id="3" name="직사각형 2">
             <a:extLst>
               <a:ext uri="{FF2B5EF4-FFF2-40B4-BE49-F238E27FC236}">
-                <a16:creationId xmlns="" xmlns:a16="http://schemas.microsoft.com/office/drawing/2014/main" id="{24226CFB-2449-4A2B-B168-A1DE28C29CF7}"/>
+                <a16:creationId xmlns:a16="http://schemas.microsoft.com/office/drawing/2014/main" xmlns="" id="{24226CFB-2449-4A2B-B168-A1DE28C29CF7}"/>
               </a:ext>
             </a:extLst>
           </p:cNvPr>
@@ -7071,7 +7079,7 @@
           <p:cNvPr id="36" name="그룹 35">
             <a:extLst>
               <a:ext uri="{FF2B5EF4-FFF2-40B4-BE49-F238E27FC236}">
-                <a16:creationId xmlns="" xmlns:a16="http://schemas.microsoft.com/office/drawing/2014/main" id="{334B3E40-65BD-48E5-A7F8-3AC341F6EFAA}"/>
+                <a16:creationId xmlns:a16="http://schemas.microsoft.com/office/drawing/2014/main" xmlns="" id="{334B3E40-65BD-48E5-A7F8-3AC341F6EFAA}"/>
               </a:ext>
             </a:extLst>
           </p:cNvPr>
@@ -7091,7 +7099,7 @@
             <p:cNvPr id="15" name="그룹 14">
               <a:extLst>
                 <a:ext uri="{FF2B5EF4-FFF2-40B4-BE49-F238E27FC236}">
-                  <a16:creationId xmlns="" xmlns:a16="http://schemas.microsoft.com/office/drawing/2014/main" id="{3B5DAA03-61CC-48F3-802D-550F610AB603}"/>
+                  <a16:creationId xmlns:a16="http://schemas.microsoft.com/office/drawing/2014/main" xmlns="" id="{3B5DAA03-61CC-48F3-802D-550F610AB603}"/>
                 </a:ext>
               </a:extLst>
             </p:cNvPr>
@@ -7111,7 +7119,7 @@
               <p:cNvPr id="5" name="그룹 4">
                 <a:extLst>
                   <a:ext uri="{FF2B5EF4-FFF2-40B4-BE49-F238E27FC236}">
-                    <a16:creationId xmlns="" xmlns:a16="http://schemas.microsoft.com/office/drawing/2014/main" id="{1AE8C737-A3AC-4AB1-91CE-4BF977E2F4E1}"/>
+                    <a16:creationId xmlns:a16="http://schemas.microsoft.com/office/drawing/2014/main" xmlns="" id="{1AE8C737-A3AC-4AB1-91CE-4BF977E2F4E1}"/>
                   </a:ext>
                 </a:extLst>
               </p:cNvPr>
@@ -7131,7 +7139,7 @@
                 <p:cNvPr id="13" name="그림 12">
                   <a:extLst>
                     <a:ext uri="{FF2B5EF4-FFF2-40B4-BE49-F238E27FC236}">
-                      <a16:creationId xmlns="" xmlns:a16="http://schemas.microsoft.com/office/drawing/2014/main" id="{A0801EF4-CA50-4C6D-B5EB-24C0BBE78716}"/>
+                      <a16:creationId xmlns:a16="http://schemas.microsoft.com/office/drawing/2014/main" xmlns="" id="{A0801EF4-CA50-4C6D-B5EB-24C0BBE78716}"/>
                     </a:ext>
                   </a:extLst>
                 </p:cNvPr>
@@ -7189,7 +7197,7 @@
                 <p:cNvPr id="14" name="순서도: 처리 13">
                   <a:extLst>
                     <a:ext uri="{FF2B5EF4-FFF2-40B4-BE49-F238E27FC236}">
-                      <a16:creationId xmlns="" xmlns:a16="http://schemas.microsoft.com/office/drawing/2014/main" id="{D9E411C6-E998-45B3-AD2C-E63E2F34874B}"/>
+                      <a16:creationId xmlns:a16="http://schemas.microsoft.com/office/drawing/2014/main" xmlns="" id="{D9E411C6-E998-45B3-AD2C-E63E2F34874B}"/>
                     </a:ext>
                   </a:extLst>
                 </p:cNvPr>
@@ -7242,7 +7250,7 @@
               <p:cNvPr id="2" name="TextBox 1">
                 <a:extLst>
                   <a:ext uri="{FF2B5EF4-FFF2-40B4-BE49-F238E27FC236}">
-                    <a16:creationId xmlns="" xmlns:a16="http://schemas.microsoft.com/office/drawing/2014/main" id="{B1087E01-4738-47CD-9A9A-2E6386233EAA}"/>
+                    <a16:creationId xmlns:a16="http://schemas.microsoft.com/office/drawing/2014/main" xmlns="" id="{B1087E01-4738-47CD-9A9A-2E6386233EAA}"/>
                   </a:ext>
                 </a:extLst>
               </p:cNvPr>
@@ -7339,7 +7347,7 @@
             <p:cNvPr id="28" name="그룹 27">
               <a:extLst>
                 <a:ext uri="{FF2B5EF4-FFF2-40B4-BE49-F238E27FC236}">
-                  <a16:creationId xmlns="" xmlns:a16="http://schemas.microsoft.com/office/drawing/2014/main" id="{2B66B621-1B7F-4447-9592-F25E8A9C3897}"/>
+                  <a16:creationId xmlns:a16="http://schemas.microsoft.com/office/drawing/2014/main" xmlns="" id="{2B66B621-1B7F-4447-9592-F25E8A9C3897}"/>
                 </a:ext>
               </a:extLst>
             </p:cNvPr>
@@ -7359,7 +7367,7 @@
               <p:cNvPr id="18" name="그룹 17">
                 <a:extLst>
                   <a:ext uri="{FF2B5EF4-FFF2-40B4-BE49-F238E27FC236}">
-                    <a16:creationId xmlns="" xmlns:a16="http://schemas.microsoft.com/office/drawing/2014/main" id="{952875E3-0DB4-40C2-8450-B52E88C5F045}"/>
+                    <a16:creationId xmlns:a16="http://schemas.microsoft.com/office/drawing/2014/main" xmlns="" id="{952875E3-0DB4-40C2-8450-B52E88C5F045}"/>
                   </a:ext>
                 </a:extLst>
               </p:cNvPr>
@@ -7379,7 +7387,7 @@
                 <p:cNvPr id="16" name="그림 15">
                   <a:extLst>
                     <a:ext uri="{FF2B5EF4-FFF2-40B4-BE49-F238E27FC236}">
-                      <a16:creationId xmlns="" xmlns:a16="http://schemas.microsoft.com/office/drawing/2014/main" id="{5F28D015-93CB-449B-B26B-EAC8CAEE2E2F}"/>
+                      <a16:creationId xmlns:a16="http://schemas.microsoft.com/office/drawing/2014/main" xmlns="" id="{5F28D015-93CB-449B-B26B-EAC8CAEE2E2F}"/>
                     </a:ext>
                   </a:extLst>
                 </p:cNvPr>
@@ -7437,7 +7445,7 @@
                 <p:cNvPr id="17" name="순서도: 처리 16">
                   <a:extLst>
                     <a:ext uri="{FF2B5EF4-FFF2-40B4-BE49-F238E27FC236}">
-                      <a16:creationId xmlns="" xmlns:a16="http://schemas.microsoft.com/office/drawing/2014/main" id="{905AB968-A8BE-4E76-BDD7-3B09A30BB399}"/>
+                      <a16:creationId xmlns:a16="http://schemas.microsoft.com/office/drawing/2014/main" xmlns="" id="{905AB968-A8BE-4E76-BDD7-3B09A30BB399}"/>
                     </a:ext>
                   </a:extLst>
                 </p:cNvPr>
@@ -7490,7 +7498,7 @@
               <p:cNvPr id="4" name="TextBox 3">
                 <a:extLst>
                   <a:ext uri="{FF2B5EF4-FFF2-40B4-BE49-F238E27FC236}">
-                    <a16:creationId xmlns="" xmlns:a16="http://schemas.microsoft.com/office/drawing/2014/main" id="{62790A9E-602E-43EF-BCD9-4AF306493C0E}"/>
+                    <a16:creationId xmlns:a16="http://schemas.microsoft.com/office/drawing/2014/main" xmlns="" id="{62790A9E-602E-43EF-BCD9-4AF306493C0E}"/>
                   </a:ext>
                 </a:extLst>
               </p:cNvPr>
@@ -7557,7 +7565,7 @@
           <p:cNvPr id="34" name="TextBox 33">
             <a:extLst>
               <a:ext uri="{FF2B5EF4-FFF2-40B4-BE49-F238E27FC236}">
-                <a16:creationId xmlns="" xmlns:a16="http://schemas.microsoft.com/office/drawing/2014/main" id="{3D4D3629-EA2B-433B-85DB-D0BA0176DD96}"/>
+                <a16:creationId xmlns:a16="http://schemas.microsoft.com/office/drawing/2014/main" xmlns="" id="{3D4D3629-EA2B-433B-85DB-D0BA0176DD96}"/>
               </a:ext>
             </a:extLst>
           </p:cNvPr>
@@ -7640,7 +7648,7 @@
           <p:cNvPr id="35" name="TextBox 34">
             <a:extLst>
               <a:ext uri="{FF2B5EF4-FFF2-40B4-BE49-F238E27FC236}">
-                <a16:creationId xmlns="" xmlns:a16="http://schemas.microsoft.com/office/drawing/2014/main" id="{B7AD3FE5-3C4C-40C5-8198-8516ED8195AB}"/>
+                <a16:creationId xmlns:a16="http://schemas.microsoft.com/office/drawing/2014/main" xmlns="" id="{B7AD3FE5-3C4C-40C5-8198-8516ED8195AB}"/>
               </a:ext>
             </a:extLst>
           </p:cNvPr>
@@ -7737,7 +7745,7 @@
           <p:cNvPr id="38" name="직선 연결선 37">
             <a:extLst>
               <a:ext uri="{FF2B5EF4-FFF2-40B4-BE49-F238E27FC236}">
-                <a16:creationId xmlns="" xmlns:a16="http://schemas.microsoft.com/office/drawing/2014/main" id="{DF212549-A293-413C-BD9F-29D20483B792}"/>
+                <a16:creationId xmlns:a16="http://schemas.microsoft.com/office/drawing/2014/main" xmlns="" id="{DF212549-A293-413C-BD9F-29D20483B792}"/>
               </a:ext>
             </a:extLst>
           </p:cNvPr>
@@ -7834,7 +7842,7 @@
             <p:cNvPr id="27" name="직사각형 26">
               <a:extLst>
                 <a:ext uri="{FF2B5EF4-FFF2-40B4-BE49-F238E27FC236}">
-                  <a16:creationId xmlns="" xmlns:a16="http://schemas.microsoft.com/office/drawing/2014/main" id="{0CFB613C-267E-4E0B-B18F-AD5E0BF0BEBC}"/>
+                  <a16:creationId xmlns:a16="http://schemas.microsoft.com/office/drawing/2014/main" xmlns="" id="{0CFB613C-267E-4E0B-B18F-AD5E0BF0BEBC}"/>
                 </a:ext>
               </a:extLst>
             </p:cNvPr>
@@ -7886,7 +7894,7 @@
             <p:cNvPr id="29" name="TextBox 28">
               <a:extLst>
                 <a:ext uri="{FF2B5EF4-FFF2-40B4-BE49-F238E27FC236}">
-                  <a16:creationId xmlns="" xmlns:a16="http://schemas.microsoft.com/office/drawing/2014/main" id="{F6515F39-A6A7-4D3C-BA5D-136CDE36BBDA}"/>
+                  <a16:creationId xmlns:a16="http://schemas.microsoft.com/office/drawing/2014/main" xmlns="" id="{F6515F39-A6A7-4D3C-BA5D-136CDE36BBDA}"/>
                 </a:ext>
               </a:extLst>
             </p:cNvPr>
@@ -8020,7 +8028,7 @@
           <p:cNvPr id="42" name="직사각형 41">
             <a:extLst>
               <a:ext uri="{FF2B5EF4-FFF2-40B4-BE49-F238E27FC236}">
-                <a16:creationId xmlns="" xmlns:a16="http://schemas.microsoft.com/office/drawing/2014/main" id="{254346C9-626B-4695-9D64-961157784C33}"/>
+                <a16:creationId xmlns:a16="http://schemas.microsoft.com/office/drawing/2014/main" xmlns="" id="{254346C9-626B-4695-9D64-961157784C33}"/>
               </a:ext>
             </a:extLst>
           </p:cNvPr>
@@ -8074,7 +8082,7 @@
           <p:cNvPr id="12" name="사각형: 둥근 모서리 11">
             <a:extLst>
               <a:ext uri="{FF2B5EF4-FFF2-40B4-BE49-F238E27FC236}">
-                <a16:creationId xmlns="" xmlns:a16="http://schemas.microsoft.com/office/drawing/2014/main" id="{9D19CC30-E7EC-4BB2-A5F5-746EA82096A8}"/>
+                <a16:creationId xmlns:a16="http://schemas.microsoft.com/office/drawing/2014/main" xmlns="" id="{9D19CC30-E7EC-4BB2-A5F5-746EA82096A8}"/>
               </a:ext>
             </a:extLst>
           </p:cNvPr>
@@ -8137,7 +8145,7 @@
           <p:cNvPr id="23" name="그림 22">
             <a:extLst>
               <a:ext uri="{FF2B5EF4-FFF2-40B4-BE49-F238E27FC236}">
-                <a16:creationId xmlns="" xmlns:a16="http://schemas.microsoft.com/office/drawing/2014/main" id="{C15EE5CF-4CCF-43EB-BA65-02E87238F132}"/>
+                <a16:creationId xmlns:a16="http://schemas.microsoft.com/office/drawing/2014/main" xmlns="" id="{C15EE5CF-4CCF-43EB-BA65-02E87238F132}"/>
               </a:ext>
             </a:extLst>
           </p:cNvPr>
@@ -8190,7 +8198,7 @@
           <p:cNvPr id="21" name="그룹 20">
             <a:extLst>
               <a:ext uri="{FF2B5EF4-FFF2-40B4-BE49-F238E27FC236}">
-                <a16:creationId xmlns="" xmlns:a16="http://schemas.microsoft.com/office/drawing/2014/main" id="{CE7125BF-6EA8-488C-AEF5-AE9843307A0E}"/>
+                <a16:creationId xmlns:a16="http://schemas.microsoft.com/office/drawing/2014/main" xmlns="" id="{CE7125BF-6EA8-488C-AEF5-AE9843307A0E}"/>
               </a:ext>
             </a:extLst>
           </p:cNvPr>
@@ -8210,7 +8218,7 @@
             <p:cNvPr id="19" name="TextBox 18">
               <a:extLst>
                 <a:ext uri="{FF2B5EF4-FFF2-40B4-BE49-F238E27FC236}">
-                  <a16:creationId xmlns="" xmlns:a16="http://schemas.microsoft.com/office/drawing/2014/main" id="{DA2259EC-6300-4416-AF9E-49BDEDFEBB0C}"/>
+                  <a16:creationId xmlns:a16="http://schemas.microsoft.com/office/drawing/2014/main" xmlns="" id="{DA2259EC-6300-4416-AF9E-49BDEDFEBB0C}"/>
                 </a:ext>
               </a:extLst>
             </p:cNvPr>
@@ -8307,7 +8315,7 @@
             <p:cNvPr id="20" name="TextBox 19">
               <a:extLst>
                 <a:ext uri="{FF2B5EF4-FFF2-40B4-BE49-F238E27FC236}">
-                  <a16:creationId xmlns="" xmlns:a16="http://schemas.microsoft.com/office/drawing/2014/main" id="{DC26B17A-0F5B-4A3F-B9CE-212FCA5B554D}"/>
+                  <a16:creationId xmlns:a16="http://schemas.microsoft.com/office/drawing/2014/main" xmlns="" id="{DC26B17A-0F5B-4A3F-B9CE-212FCA5B554D}"/>
                 </a:ext>
               </a:extLst>
             </p:cNvPr>
@@ -8387,7 +8395,7 @@
           <p:cNvPr id="28" name="타원 27">
             <a:extLst>
               <a:ext uri="{FF2B5EF4-FFF2-40B4-BE49-F238E27FC236}">
-                <a16:creationId xmlns="" xmlns:a16="http://schemas.microsoft.com/office/drawing/2014/main" id="{F8B59DB3-0A90-4077-BF86-E992CFFD9AFB}"/>
+                <a16:creationId xmlns:a16="http://schemas.microsoft.com/office/drawing/2014/main" xmlns="" id="{F8B59DB3-0A90-4077-BF86-E992CFFD9AFB}"/>
               </a:ext>
             </a:extLst>
           </p:cNvPr>
@@ -8439,7 +8447,7 @@
           <p:cNvPr id="29" name="타원 28">
             <a:extLst>
               <a:ext uri="{FF2B5EF4-FFF2-40B4-BE49-F238E27FC236}">
-                <a16:creationId xmlns="" xmlns:a16="http://schemas.microsoft.com/office/drawing/2014/main" id="{CF24A168-670E-4471-85C6-B5E6B50CFECD}"/>
+                <a16:creationId xmlns:a16="http://schemas.microsoft.com/office/drawing/2014/main" xmlns="" id="{CF24A168-670E-4471-85C6-B5E6B50CFECD}"/>
               </a:ext>
             </a:extLst>
           </p:cNvPr>
@@ -8495,7 +8503,7 @@
           <p:cNvPr id="30" name="타원 29">
             <a:extLst>
               <a:ext uri="{FF2B5EF4-FFF2-40B4-BE49-F238E27FC236}">
-                <a16:creationId xmlns="" xmlns:a16="http://schemas.microsoft.com/office/drawing/2014/main" id="{A5D17ACE-95FA-44E8-BEF4-8ABE05994E50}"/>
+                <a16:creationId xmlns:a16="http://schemas.microsoft.com/office/drawing/2014/main" xmlns="" id="{A5D17ACE-95FA-44E8-BEF4-8ABE05994E50}"/>
               </a:ext>
             </a:extLst>
           </p:cNvPr>
@@ -8547,7 +8555,7 @@
           <p:cNvPr id="39" name="그룹 38">
             <a:extLst>
               <a:ext uri="{FF2B5EF4-FFF2-40B4-BE49-F238E27FC236}">
-                <a16:creationId xmlns="" xmlns:a16="http://schemas.microsoft.com/office/drawing/2014/main" id="{D3507DC3-C6D3-4C79-8236-6607008BE90A}"/>
+                <a16:creationId xmlns:a16="http://schemas.microsoft.com/office/drawing/2014/main" xmlns="" id="{D3507DC3-C6D3-4C79-8236-6607008BE90A}"/>
               </a:ext>
             </a:extLst>
           </p:cNvPr>
@@ -8567,7 +8575,7 @@
             <p:cNvPr id="24" name="물결 23">
               <a:extLst>
                 <a:ext uri="{FF2B5EF4-FFF2-40B4-BE49-F238E27FC236}">
-                  <a16:creationId xmlns="" xmlns:a16="http://schemas.microsoft.com/office/drawing/2014/main" id="{CBB4E04B-2824-4D4E-9D8F-81D1C4EE6472}"/>
+                  <a16:creationId xmlns:a16="http://schemas.microsoft.com/office/drawing/2014/main" xmlns="" id="{CBB4E04B-2824-4D4E-9D8F-81D1C4EE6472}"/>
                 </a:ext>
               </a:extLst>
             </p:cNvPr>
@@ -8622,7 +8630,7 @@
             <p:cNvPr id="38" name="사각형: 둥근 모서리 37">
               <a:extLst>
                 <a:ext uri="{FF2B5EF4-FFF2-40B4-BE49-F238E27FC236}">
-                  <a16:creationId xmlns="" xmlns:a16="http://schemas.microsoft.com/office/drawing/2014/main" id="{25540947-6397-481E-B306-8BFC8227ECC1}"/>
+                  <a16:creationId xmlns:a16="http://schemas.microsoft.com/office/drawing/2014/main" xmlns="" id="{25540947-6397-481E-B306-8BFC8227ECC1}"/>
                 </a:ext>
               </a:extLst>
             </p:cNvPr>
@@ -8679,7 +8687,7 @@
           <p:cNvPr id="31" name="타원 30">
             <a:extLst>
               <a:ext uri="{FF2B5EF4-FFF2-40B4-BE49-F238E27FC236}">
-                <a16:creationId xmlns="" xmlns:a16="http://schemas.microsoft.com/office/drawing/2014/main" id="{9239A4AE-0AF3-4553-B251-2B36C6276113}"/>
+                <a16:creationId xmlns:a16="http://schemas.microsoft.com/office/drawing/2014/main" xmlns="" id="{9239A4AE-0AF3-4553-B251-2B36C6276113}"/>
               </a:ext>
             </a:extLst>
           </p:cNvPr>
@@ -8733,7 +8741,7 @@
           <p:cNvPr id="32" name="타원 31">
             <a:extLst>
               <a:ext uri="{FF2B5EF4-FFF2-40B4-BE49-F238E27FC236}">
-                <a16:creationId xmlns="" xmlns:a16="http://schemas.microsoft.com/office/drawing/2014/main" id="{32C07085-4267-4579-8FFA-8035D2D3106D}"/>
+                <a16:creationId xmlns:a16="http://schemas.microsoft.com/office/drawing/2014/main" xmlns="" id="{32C07085-4267-4579-8FFA-8035D2D3106D}"/>
               </a:ext>
             </a:extLst>
           </p:cNvPr>
@@ -8787,7 +8795,7 @@
           <p:cNvPr id="33" name="타원 32">
             <a:extLst>
               <a:ext uri="{FF2B5EF4-FFF2-40B4-BE49-F238E27FC236}">
-                <a16:creationId xmlns="" xmlns:a16="http://schemas.microsoft.com/office/drawing/2014/main" id="{12BAC29B-AC15-4CE0-9D26-A3618E4E08AF}"/>
+                <a16:creationId xmlns:a16="http://schemas.microsoft.com/office/drawing/2014/main" xmlns="" id="{12BAC29B-AC15-4CE0-9D26-A3618E4E08AF}"/>
               </a:ext>
             </a:extLst>
           </p:cNvPr>
@@ -8841,7 +8849,7 @@
           <p:cNvPr id="34" name="타원 33">
             <a:extLst>
               <a:ext uri="{FF2B5EF4-FFF2-40B4-BE49-F238E27FC236}">
-                <a16:creationId xmlns="" xmlns:a16="http://schemas.microsoft.com/office/drawing/2014/main" id="{9F9A9C1E-AFF9-49A8-AE79-AEAB90D52941}"/>
+                <a16:creationId xmlns:a16="http://schemas.microsoft.com/office/drawing/2014/main" xmlns="" id="{9F9A9C1E-AFF9-49A8-AE79-AEAB90D52941}"/>
               </a:ext>
             </a:extLst>
           </p:cNvPr>
@@ -8893,7 +8901,7 @@
           <p:cNvPr id="35" name="타원 34">
             <a:extLst>
               <a:ext uri="{FF2B5EF4-FFF2-40B4-BE49-F238E27FC236}">
-                <a16:creationId xmlns="" xmlns:a16="http://schemas.microsoft.com/office/drawing/2014/main" id="{72E64168-26F4-4B2B-9581-7C4C1364A6D7}"/>
+                <a16:creationId xmlns:a16="http://schemas.microsoft.com/office/drawing/2014/main" xmlns="" id="{72E64168-26F4-4B2B-9581-7C4C1364A6D7}"/>
               </a:ext>
             </a:extLst>
           </p:cNvPr>
@@ -8945,7 +8953,7 @@
           <p:cNvPr id="36" name="타원 35">
             <a:extLst>
               <a:ext uri="{FF2B5EF4-FFF2-40B4-BE49-F238E27FC236}">
-                <a16:creationId xmlns="" xmlns:a16="http://schemas.microsoft.com/office/drawing/2014/main" id="{4671E2B2-AF0A-4905-9A32-FD03753AD654}"/>
+                <a16:creationId xmlns:a16="http://schemas.microsoft.com/office/drawing/2014/main" xmlns="" id="{4671E2B2-AF0A-4905-9A32-FD03753AD654}"/>
               </a:ext>
             </a:extLst>
           </p:cNvPr>
@@ -8997,7 +9005,7 @@
           <p:cNvPr id="37" name="타원 36">
             <a:extLst>
               <a:ext uri="{FF2B5EF4-FFF2-40B4-BE49-F238E27FC236}">
-                <a16:creationId xmlns="" xmlns:a16="http://schemas.microsoft.com/office/drawing/2014/main" id="{AA8446BB-CE40-4029-85FD-B07CC2AF3B18}"/>
+                <a16:creationId xmlns:a16="http://schemas.microsoft.com/office/drawing/2014/main" xmlns="" id="{AA8446BB-CE40-4029-85FD-B07CC2AF3B18}"/>
               </a:ext>
             </a:extLst>
           </p:cNvPr>
@@ -9049,7 +9057,7 @@
           <p:cNvPr id="11" name="그림 10">
             <a:extLst>
               <a:ext uri="{FF2B5EF4-FFF2-40B4-BE49-F238E27FC236}">
-                <a16:creationId xmlns="" xmlns:a16="http://schemas.microsoft.com/office/drawing/2014/main" id="{7DEFA280-1FBB-46E9-AF73-89AD7C1A1883}"/>
+                <a16:creationId xmlns:a16="http://schemas.microsoft.com/office/drawing/2014/main" xmlns="" id="{7DEFA280-1FBB-46E9-AF73-89AD7C1A1883}"/>
               </a:ext>
             </a:extLst>
           </p:cNvPr>
@@ -9095,7 +9103,7 @@
           <p:cNvPr id="14" name="그룹 13">
             <a:extLst>
               <a:ext uri="{FF2B5EF4-FFF2-40B4-BE49-F238E27FC236}">
-                <a16:creationId xmlns="" xmlns:a16="http://schemas.microsoft.com/office/drawing/2014/main" id="{1E13BDC3-A346-467B-9842-9B408FAF6E9A}"/>
+                <a16:creationId xmlns:a16="http://schemas.microsoft.com/office/drawing/2014/main" xmlns="" id="{1E13BDC3-A346-467B-9842-9B408FAF6E9A}"/>
               </a:ext>
             </a:extLst>
           </p:cNvPr>
@@ -9115,7 +9123,7 @@
             <p:cNvPr id="17" name="사각형: 둥근 모서리 16">
               <a:extLst>
                 <a:ext uri="{FF2B5EF4-FFF2-40B4-BE49-F238E27FC236}">
-                  <a16:creationId xmlns="" xmlns:a16="http://schemas.microsoft.com/office/drawing/2014/main" id="{EAF911C1-4786-4047-9AB9-FA22E3530F64}"/>
+                  <a16:creationId xmlns:a16="http://schemas.microsoft.com/office/drawing/2014/main" xmlns="" id="{EAF911C1-4786-4047-9AB9-FA22E3530F64}"/>
                 </a:ext>
               </a:extLst>
             </p:cNvPr>
@@ -9175,7 +9183,7 @@
             <p:cNvPr id="16" name="TextBox 15">
               <a:extLst>
                 <a:ext uri="{FF2B5EF4-FFF2-40B4-BE49-F238E27FC236}">
-                  <a16:creationId xmlns="" xmlns:a16="http://schemas.microsoft.com/office/drawing/2014/main" id="{75DA3BAF-2D58-4EE0-B116-4B5A3784C258}"/>
+                  <a16:creationId xmlns:a16="http://schemas.microsoft.com/office/drawing/2014/main" xmlns="" id="{75DA3BAF-2D58-4EE0-B116-4B5A3784C258}"/>
                 </a:ext>
               </a:extLst>
             </p:cNvPr>
@@ -9246,7 +9254,7 @@
           <p:cNvPr id="45" name="TextBox 44">
             <a:extLst>
               <a:ext uri="{FF2B5EF4-FFF2-40B4-BE49-F238E27FC236}">
-                <a16:creationId xmlns="" xmlns:a16="http://schemas.microsoft.com/office/drawing/2014/main" id="{D4297714-034C-44B7-A7DE-5919C0CD08F4}"/>
+                <a16:creationId xmlns:a16="http://schemas.microsoft.com/office/drawing/2014/main" xmlns="" id="{D4297714-034C-44B7-A7DE-5919C0CD08F4}"/>
               </a:ext>
             </a:extLst>
           </p:cNvPr>
@@ -9464,7 +9472,7 @@
           <p:cNvPr id="46" name="직사각형 45">
             <a:extLst>
               <a:ext uri="{FF2B5EF4-FFF2-40B4-BE49-F238E27FC236}">
-                <a16:creationId xmlns="" xmlns:a16="http://schemas.microsoft.com/office/drawing/2014/main" id="{63D4A011-5B46-4E9F-8E35-68A463E6DAE4}"/>
+                <a16:creationId xmlns:a16="http://schemas.microsoft.com/office/drawing/2014/main" xmlns="" id="{63D4A011-5B46-4E9F-8E35-68A463E6DAE4}"/>
               </a:ext>
             </a:extLst>
           </p:cNvPr>
@@ -9531,7 +9539,7 @@
           <p:cNvPr id="47" name="직사각형 46">
             <a:extLst>
               <a:ext uri="{FF2B5EF4-FFF2-40B4-BE49-F238E27FC236}">
-                <a16:creationId xmlns="" xmlns:a16="http://schemas.microsoft.com/office/drawing/2014/main" id="{AECFE9E3-C36E-40B9-9F20-4DF02B20D913}"/>
+                <a16:creationId xmlns:a16="http://schemas.microsoft.com/office/drawing/2014/main" xmlns="" id="{AECFE9E3-C36E-40B9-9F20-4DF02B20D913}"/>
               </a:ext>
             </a:extLst>
           </p:cNvPr>
@@ -9598,7 +9606,7 @@
           <p:cNvPr id="48" name="직선 연결선 47">
             <a:extLst>
               <a:ext uri="{FF2B5EF4-FFF2-40B4-BE49-F238E27FC236}">
-                <a16:creationId xmlns="" xmlns:a16="http://schemas.microsoft.com/office/drawing/2014/main" id="{4A251B86-3D8D-4DA7-BC66-28BA2E46C33D}"/>
+                <a16:creationId xmlns:a16="http://schemas.microsoft.com/office/drawing/2014/main" xmlns="" id="{4A251B86-3D8D-4DA7-BC66-28BA2E46C33D}"/>
               </a:ext>
             </a:extLst>
           </p:cNvPr>
@@ -9644,7 +9652,7 @@
           <p:cNvPr id="53" name="그룹 52">
             <a:extLst>
               <a:ext uri="{FF2B5EF4-FFF2-40B4-BE49-F238E27FC236}">
-                <a16:creationId xmlns="" xmlns:a16="http://schemas.microsoft.com/office/drawing/2014/main" id="{04B1BA53-F1BB-4E2A-A556-11EE030C5773}"/>
+                <a16:creationId xmlns:a16="http://schemas.microsoft.com/office/drawing/2014/main" xmlns="" id="{04B1BA53-F1BB-4E2A-A556-11EE030C5773}"/>
               </a:ext>
             </a:extLst>
           </p:cNvPr>
@@ -9664,7 +9672,7 @@
             <p:cNvPr id="54" name="그룹 53">
               <a:extLst>
                 <a:ext uri="{FF2B5EF4-FFF2-40B4-BE49-F238E27FC236}">
-                  <a16:creationId xmlns="" xmlns:a16="http://schemas.microsoft.com/office/drawing/2014/main" id="{0FAB3717-E5E2-4181-A260-DA1424F28612}"/>
+                  <a16:creationId xmlns:a16="http://schemas.microsoft.com/office/drawing/2014/main" xmlns="" id="{0FAB3717-E5E2-4181-A260-DA1424F28612}"/>
                 </a:ext>
               </a:extLst>
             </p:cNvPr>
@@ -9684,7 +9692,7 @@
               <p:cNvPr id="56" name="사각형: 둥근 모서리 55">
                 <a:extLst>
                   <a:ext uri="{FF2B5EF4-FFF2-40B4-BE49-F238E27FC236}">
-                    <a16:creationId xmlns="" xmlns:a16="http://schemas.microsoft.com/office/drawing/2014/main" id="{6D2B7320-BE4C-405F-A3D2-797C448C1510}"/>
+                    <a16:creationId xmlns:a16="http://schemas.microsoft.com/office/drawing/2014/main" xmlns="" id="{6D2B7320-BE4C-405F-A3D2-797C448C1510}"/>
                   </a:ext>
                 </a:extLst>
               </p:cNvPr>
@@ -9738,7 +9746,7 @@
               <p:cNvPr id="57" name="TextBox 56">
                 <a:extLst>
                   <a:ext uri="{FF2B5EF4-FFF2-40B4-BE49-F238E27FC236}">
-                    <a16:creationId xmlns="" xmlns:a16="http://schemas.microsoft.com/office/drawing/2014/main" id="{7282059F-9779-4497-864D-FFDB3E69F42C}"/>
+                    <a16:creationId xmlns:a16="http://schemas.microsoft.com/office/drawing/2014/main" xmlns="" id="{7282059F-9779-4497-864D-FFDB3E69F42C}"/>
                   </a:ext>
                 </a:extLst>
               </p:cNvPr>
@@ -9787,7 +9795,7 @@
             <p:cNvPr id="55" name="그림 54">
               <a:extLst>
                 <a:ext uri="{FF2B5EF4-FFF2-40B4-BE49-F238E27FC236}">
-                  <a16:creationId xmlns="" xmlns:a16="http://schemas.microsoft.com/office/drawing/2014/main" id="{8177D74D-C5BC-40FA-B108-F54D31FBF7BD}"/>
+                  <a16:creationId xmlns:a16="http://schemas.microsoft.com/office/drawing/2014/main" xmlns="" id="{8177D74D-C5BC-40FA-B108-F54D31FBF7BD}"/>
                 </a:ext>
               </a:extLst>
             </p:cNvPr>
@@ -9833,7 +9841,7 @@
           <p:cNvPr id="61" name="TextBox 60">
             <a:extLst>
               <a:ext uri="{FF2B5EF4-FFF2-40B4-BE49-F238E27FC236}">
-                <a16:creationId xmlns="" xmlns:a16="http://schemas.microsoft.com/office/drawing/2014/main" id="{52D942E3-1CA7-4891-9AB9-EA5339AB372C}"/>
+                <a16:creationId xmlns:a16="http://schemas.microsoft.com/office/drawing/2014/main" xmlns="" id="{52D942E3-1CA7-4891-9AB9-EA5339AB372C}"/>
               </a:ext>
             </a:extLst>
           </p:cNvPr>
@@ -9929,7 +9937,7 @@
           <p:cNvPr id="62" name="TextBox 61">
             <a:extLst>
               <a:ext uri="{FF2B5EF4-FFF2-40B4-BE49-F238E27FC236}">
-                <a16:creationId xmlns="" xmlns:a16="http://schemas.microsoft.com/office/drawing/2014/main" id="{8D4DD204-BE81-4570-89AC-485892E594E6}"/>
+                <a16:creationId xmlns:a16="http://schemas.microsoft.com/office/drawing/2014/main" xmlns="" id="{8D4DD204-BE81-4570-89AC-485892E594E6}"/>
               </a:ext>
             </a:extLst>
           </p:cNvPr>
@@ -10028,7 +10036,7 @@
           <p:cNvPr id="64" name="연결선: 꺾임 63">
             <a:extLst>
               <a:ext uri="{FF2B5EF4-FFF2-40B4-BE49-F238E27FC236}">
-                <a16:creationId xmlns="" xmlns:a16="http://schemas.microsoft.com/office/drawing/2014/main" id="{616D0DF1-0EAD-4696-B693-28C5CEF872A4}"/>
+                <a16:creationId xmlns:a16="http://schemas.microsoft.com/office/drawing/2014/main" xmlns="" id="{616D0DF1-0EAD-4696-B693-28C5CEF872A4}"/>
               </a:ext>
             </a:extLst>
           </p:cNvPr>
@@ -10076,7 +10084,7 @@
           <p:cNvPr id="67" name="TextBox 66">
             <a:extLst>
               <a:ext uri="{FF2B5EF4-FFF2-40B4-BE49-F238E27FC236}">
-                <a16:creationId xmlns="" xmlns:a16="http://schemas.microsoft.com/office/drawing/2014/main" id="{A942E5F8-6AA2-4436-9419-AD539D877BBB}"/>
+                <a16:creationId xmlns:a16="http://schemas.microsoft.com/office/drawing/2014/main" xmlns="" id="{A942E5F8-6AA2-4436-9419-AD539D877BBB}"/>
               </a:ext>
             </a:extLst>
           </p:cNvPr>
@@ -10208,7 +10216,7 @@
           <p:cNvPr id="71" name="TextBox 70">
             <a:extLst>
               <a:ext uri="{FF2B5EF4-FFF2-40B4-BE49-F238E27FC236}">
-                <a16:creationId xmlns="" xmlns:a16="http://schemas.microsoft.com/office/drawing/2014/main" id="{B5D4751F-261D-48EA-AB81-C472E4AB5E77}"/>
+                <a16:creationId xmlns:a16="http://schemas.microsoft.com/office/drawing/2014/main" xmlns="" id="{B5D4751F-261D-48EA-AB81-C472E4AB5E77}"/>
               </a:ext>
             </a:extLst>
           </p:cNvPr>
@@ -10270,7 +10278,7 @@
           <p:cNvPr id="72" name="직사각형 71">
             <a:extLst>
               <a:ext uri="{FF2B5EF4-FFF2-40B4-BE49-F238E27FC236}">
-                <a16:creationId xmlns="" xmlns:a16="http://schemas.microsoft.com/office/drawing/2014/main" id="{903B8C97-3363-49E1-B9F9-0DC1883C0D1E}"/>
+                <a16:creationId xmlns:a16="http://schemas.microsoft.com/office/drawing/2014/main" xmlns="" id="{903B8C97-3363-49E1-B9F9-0DC1883C0D1E}"/>
               </a:ext>
             </a:extLst>
           </p:cNvPr>
@@ -10331,7 +10339,7 @@
           <p:cNvPr id="79" name="직선 화살표 연결선 78">
             <a:extLst>
               <a:ext uri="{FF2B5EF4-FFF2-40B4-BE49-F238E27FC236}">
-                <a16:creationId xmlns="" xmlns:a16="http://schemas.microsoft.com/office/drawing/2014/main" id="{3F85BDBE-3ED3-4EB8-8A70-DB5B42FDA7EC}"/>
+                <a16:creationId xmlns:a16="http://schemas.microsoft.com/office/drawing/2014/main" xmlns="" id="{3F85BDBE-3ED3-4EB8-8A70-DB5B42FDA7EC}"/>
               </a:ext>
             </a:extLst>
           </p:cNvPr>
@@ -10377,7 +10385,7 @@
           <p:cNvPr id="44" name="그룹 43">
             <a:extLst>
               <a:ext uri="{FF2B5EF4-FFF2-40B4-BE49-F238E27FC236}">
-                <a16:creationId xmlns="" xmlns:a16="http://schemas.microsoft.com/office/drawing/2014/main" id="{98ECF073-F406-402D-923A-C3AF95595FA0}"/>
+                <a16:creationId xmlns:a16="http://schemas.microsoft.com/office/drawing/2014/main" xmlns="" id="{98ECF073-F406-402D-923A-C3AF95595FA0}"/>
               </a:ext>
             </a:extLst>
           </p:cNvPr>
@@ -10397,7 +10405,7 @@
             <p:cNvPr id="49" name="직사각형 48">
               <a:extLst>
                 <a:ext uri="{FF2B5EF4-FFF2-40B4-BE49-F238E27FC236}">
-                  <a16:creationId xmlns="" xmlns:a16="http://schemas.microsoft.com/office/drawing/2014/main" id="{0CFB613C-267E-4E0B-B18F-AD5E0BF0BEBC}"/>
+                  <a16:creationId xmlns:a16="http://schemas.microsoft.com/office/drawing/2014/main" xmlns="" id="{0CFB613C-267E-4E0B-B18F-AD5E0BF0BEBC}"/>
                 </a:ext>
               </a:extLst>
             </p:cNvPr>
@@ -10449,7 +10457,7 @@
             <p:cNvPr id="50" name="TextBox 49">
               <a:extLst>
                 <a:ext uri="{FF2B5EF4-FFF2-40B4-BE49-F238E27FC236}">
-                  <a16:creationId xmlns="" xmlns:a16="http://schemas.microsoft.com/office/drawing/2014/main" id="{F6515F39-A6A7-4D3C-BA5D-136CDE36BBDA}"/>
+                  <a16:creationId xmlns:a16="http://schemas.microsoft.com/office/drawing/2014/main" xmlns="" id="{F6515F39-A6A7-4D3C-BA5D-136CDE36BBDA}"/>
                 </a:ext>
               </a:extLst>
             </p:cNvPr>
@@ -10631,7 +10639,7 @@
 </file>
 
 <file path=ppt/slides/slide6.xml><?xml version="1.0" encoding="utf-8"?>
-<p:sld xmlns:a="http://schemas.openxmlformats.org/drawingml/2006/main" xmlns:r="http://schemas.openxmlformats.org/officeDocument/2006/relationships" xmlns:p="http://schemas.openxmlformats.org/presentationml/2006/main">
+<p:sld xmlns:a="http://schemas.openxmlformats.org/drawingml/2006/main" xmlns:r="http://schemas.openxmlformats.org/officeDocument/2006/relationships" xmlns:p="http://schemas.openxmlformats.org/presentationml/2006/main" show="0">
   <p:cSld>
     <p:spTree>
       <p:nvGrpSpPr>
@@ -10652,7 +10660,7 @@
           <p:cNvPr id="3" name="직사각형 2">
             <a:extLst>
               <a:ext uri="{FF2B5EF4-FFF2-40B4-BE49-F238E27FC236}">
-                <a16:creationId xmlns="" xmlns:a16="http://schemas.microsoft.com/office/drawing/2014/main" id="{E8AB43A9-CFF9-453C-ABF5-C4149AF28836}"/>
+                <a16:creationId xmlns:a16="http://schemas.microsoft.com/office/drawing/2014/main" xmlns="" id="{E8AB43A9-CFF9-453C-ABF5-C4149AF28836}"/>
               </a:ext>
             </a:extLst>
           </p:cNvPr>
@@ -10706,7 +10714,7 @@
           <p:cNvPr id="11" name="그림 10">
             <a:extLst>
               <a:ext uri="{FF2B5EF4-FFF2-40B4-BE49-F238E27FC236}">
-                <a16:creationId xmlns="" xmlns:a16="http://schemas.microsoft.com/office/drawing/2014/main" id="{DCA863CB-972C-4096-B5BB-4FE9DBA52EB7}"/>
+                <a16:creationId xmlns:a16="http://schemas.microsoft.com/office/drawing/2014/main" xmlns="" id="{DCA863CB-972C-4096-B5BB-4FE9DBA52EB7}"/>
               </a:ext>
             </a:extLst>
           </p:cNvPr>
@@ -10765,7 +10773,7 @@
           <p:cNvPr id="8" name="그림 7">
             <a:extLst>
               <a:ext uri="{FF2B5EF4-FFF2-40B4-BE49-F238E27FC236}">
-                <a16:creationId xmlns="" xmlns:a16="http://schemas.microsoft.com/office/drawing/2014/main" id="{563847F9-D3A8-43EF-A04F-297965CDA970}"/>
+                <a16:creationId xmlns:a16="http://schemas.microsoft.com/office/drawing/2014/main" xmlns="" id="{563847F9-D3A8-43EF-A04F-297965CDA970}"/>
               </a:ext>
             </a:extLst>
           </p:cNvPr>
@@ -10811,7 +10819,7 @@
           <p:cNvPr id="12" name="타원 11">
             <a:extLst>
               <a:ext uri="{FF2B5EF4-FFF2-40B4-BE49-F238E27FC236}">
-                <a16:creationId xmlns="" xmlns:a16="http://schemas.microsoft.com/office/drawing/2014/main" id="{B373797F-621E-4078-8BA4-015B4C041690}"/>
+                <a16:creationId xmlns:a16="http://schemas.microsoft.com/office/drawing/2014/main" xmlns="" id="{B373797F-621E-4078-8BA4-015B4C041690}"/>
               </a:ext>
             </a:extLst>
           </p:cNvPr>
@@ -10864,7 +10872,7 @@
           <p:cNvPr id="14" name="직선 연결선 13">
             <a:extLst>
               <a:ext uri="{FF2B5EF4-FFF2-40B4-BE49-F238E27FC236}">
-                <a16:creationId xmlns="" xmlns:a16="http://schemas.microsoft.com/office/drawing/2014/main" id="{4EC51AB2-0A0D-413D-83F7-F013996A096B}"/>
+                <a16:creationId xmlns:a16="http://schemas.microsoft.com/office/drawing/2014/main" xmlns="" id="{4EC51AB2-0A0D-413D-83F7-F013996A096B}"/>
               </a:ext>
             </a:extLst>
           </p:cNvPr>
@@ -10909,7 +10917,7 @@
           <p:cNvPr id="17" name="직선 연결선 16">
             <a:extLst>
               <a:ext uri="{FF2B5EF4-FFF2-40B4-BE49-F238E27FC236}">
-                <a16:creationId xmlns="" xmlns:a16="http://schemas.microsoft.com/office/drawing/2014/main" id="{1ADDC85D-1909-4D61-BB71-F90C20369814}"/>
+                <a16:creationId xmlns:a16="http://schemas.microsoft.com/office/drawing/2014/main" xmlns="" id="{1ADDC85D-1909-4D61-BB71-F90C20369814}"/>
               </a:ext>
             </a:extLst>
           </p:cNvPr>
@@ -10953,7 +10961,7 @@
           <p:cNvPr id="22" name="원호 21">
             <a:extLst>
               <a:ext uri="{FF2B5EF4-FFF2-40B4-BE49-F238E27FC236}">
-                <a16:creationId xmlns="" xmlns:a16="http://schemas.microsoft.com/office/drawing/2014/main" id="{AA8FB02C-7473-4E09-B24F-3151FDF7477B}"/>
+                <a16:creationId xmlns:a16="http://schemas.microsoft.com/office/drawing/2014/main" xmlns="" id="{AA8FB02C-7473-4E09-B24F-3151FDF7477B}"/>
               </a:ext>
             </a:extLst>
           </p:cNvPr>
@@ -11006,7 +11014,7 @@
           <p:cNvPr id="24" name="원호 23">
             <a:extLst>
               <a:ext uri="{FF2B5EF4-FFF2-40B4-BE49-F238E27FC236}">
-                <a16:creationId xmlns="" xmlns:a16="http://schemas.microsoft.com/office/drawing/2014/main" id="{A64BCFBD-003A-4F69-9BE0-3951CBE5CE09}"/>
+                <a16:creationId xmlns:a16="http://schemas.microsoft.com/office/drawing/2014/main" xmlns="" id="{A64BCFBD-003A-4F69-9BE0-3951CBE5CE09}"/>
               </a:ext>
             </a:extLst>
           </p:cNvPr>
@@ -11059,7 +11067,7 @@
           <p:cNvPr id="25" name="원호 24">
             <a:extLst>
               <a:ext uri="{FF2B5EF4-FFF2-40B4-BE49-F238E27FC236}">
-                <a16:creationId xmlns="" xmlns:a16="http://schemas.microsoft.com/office/drawing/2014/main" id="{06851CBA-9FD4-4FA4-88CD-9229C05BEDCB}"/>
+                <a16:creationId xmlns:a16="http://schemas.microsoft.com/office/drawing/2014/main" xmlns="" id="{06851CBA-9FD4-4FA4-88CD-9229C05BEDCB}"/>
               </a:ext>
             </a:extLst>
           </p:cNvPr>
@@ -11112,7 +11120,7 @@
           <p:cNvPr id="26" name="원호 25">
             <a:extLst>
               <a:ext uri="{FF2B5EF4-FFF2-40B4-BE49-F238E27FC236}">
-                <a16:creationId xmlns="" xmlns:a16="http://schemas.microsoft.com/office/drawing/2014/main" id="{BB0B571D-DFEE-4EEF-A820-E82EDED780E7}"/>
+                <a16:creationId xmlns:a16="http://schemas.microsoft.com/office/drawing/2014/main" xmlns="" id="{BB0B571D-DFEE-4EEF-A820-E82EDED780E7}"/>
               </a:ext>
             </a:extLst>
           </p:cNvPr>
@@ -11165,7 +11173,7 @@
           <p:cNvPr id="27" name="TextBox 26">
             <a:extLst>
               <a:ext uri="{FF2B5EF4-FFF2-40B4-BE49-F238E27FC236}">
-                <a16:creationId xmlns="" xmlns:a16="http://schemas.microsoft.com/office/drawing/2014/main" id="{A2F40698-04B5-4640-84C5-28EB78D3121C}"/>
+                <a16:creationId xmlns:a16="http://schemas.microsoft.com/office/drawing/2014/main" xmlns="" id="{A2F40698-04B5-4640-84C5-28EB78D3121C}"/>
               </a:ext>
             </a:extLst>
           </p:cNvPr>
@@ -11217,7 +11225,7 @@
           <p:cNvPr id="28" name="TextBox 27">
             <a:extLst>
               <a:ext uri="{FF2B5EF4-FFF2-40B4-BE49-F238E27FC236}">
-                <a16:creationId xmlns="" xmlns:a16="http://schemas.microsoft.com/office/drawing/2014/main" id="{E34717F7-7475-4138-9B4C-EEBBD063FB98}"/>
+                <a16:creationId xmlns:a16="http://schemas.microsoft.com/office/drawing/2014/main" xmlns="" id="{E34717F7-7475-4138-9B4C-EEBBD063FB98}"/>
               </a:ext>
             </a:extLst>
           </p:cNvPr>
@@ -11269,7 +11277,7 @@
           <p:cNvPr id="29" name="TextBox 28">
             <a:extLst>
               <a:ext uri="{FF2B5EF4-FFF2-40B4-BE49-F238E27FC236}">
-                <a16:creationId xmlns="" xmlns:a16="http://schemas.microsoft.com/office/drawing/2014/main" id="{83ED44DB-4B2E-47FF-A3EA-A15756F180EF}"/>
+                <a16:creationId xmlns:a16="http://schemas.microsoft.com/office/drawing/2014/main" xmlns="" id="{83ED44DB-4B2E-47FF-A3EA-A15756F180EF}"/>
               </a:ext>
             </a:extLst>
           </p:cNvPr>
@@ -11335,7 +11343,7 @@
           <p:cNvPr id="30" name="TextBox 29">
             <a:extLst>
               <a:ext uri="{FF2B5EF4-FFF2-40B4-BE49-F238E27FC236}">
-                <a16:creationId xmlns="" xmlns:a16="http://schemas.microsoft.com/office/drawing/2014/main" id="{230F7825-F1E4-414F-A6F7-42A2895DC195}"/>
+                <a16:creationId xmlns:a16="http://schemas.microsoft.com/office/drawing/2014/main" xmlns="" id="{230F7825-F1E4-414F-A6F7-42A2895DC195}"/>
               </a:ext>
             </a:extLst>
           </p:cNvPr>
@@ -11387,7 +11395,7 @@
           <p:cNvPr id="38" name="그룹 37">
             <a:extLst>
               <a:ext uri="{FF2B5EF4-FFF2-40B4-BE49-F238E27FC236}">
-                <a16:creationId xmlns="" xmlns:a16="http://schemas.microsoft.com/office/drawing/2014/main" id="{7331EEA3-CA48-403A-A035-B08BF975917A}"/>
+                <a16:creationId xmlns:a16="http://schemas.microsoft.com/office/drawing/2014/main" xmlns="" id="{7331EEA3-CA48-403A-A035-B08BF975917A}"/>
               </a:ext>
             </a:extLst>
           </p:cNvPr>
@@ -11407,7 +11415,7 @@
             <p:cNvPr id="32" name="사각형: 둥근 모서리 31">
               <a:extLst>
                 <a:ext uri="{FF2B5EF4-FFF2-40B4-BE49-F238E27FC236}">
-                  <a16:creationId xmlns="" xmlns:a16="http://schemas.microsoft.com/office/drawing/2014/main" id="{07801440-3599-45B4-AFD3-60789A1902CE}"/>
+                  <a16:creationId xmlns:a16="http://schemas.microsoft.com/office/drawing/2014/main" xmlns="" id="{07801440-3599-45B4-AFD3-60789A1902CE}"/>
                 </a:ext>
               </a:extLst>
             </p:cNvPr>
@@ -11464,7 +11472,7 @@
             <p:cNvPr id="31" name="1/2 액자 30">
               <a:extLst>
                 <a:ext uri="{FF2B5EF4-FFF2-40B4-BE49-F238E27FC236}">
-                  <a16:creationId xmlns="" xmlns:a16="http://schemas.microsoft.com/office/drawing/2014/main" id="{51135FD0-951E-4981-86C1-BA13E90A25F4}"/>
+                  <a16:creationId xmlns:a16="http://schemas.microsoft.com/office/drawing/2014/main" xmlns="" id="{51135FD0-951E-4981-86C1-BA13E90A25F4}"/>
                 </a:ext>
               </a:extLst>
             </p:cNvPr>
@@ -11536,7 +11544,7 @@
           <p:cNvPr id="46" name="사각형: 둥근 모서리 45">
             <a:extLst>
               <a:ext uri="{FF2B5EF4-FFF2-40B4-BE49-F238E27FC236}">
-                <a16:creationId xmlns="" xmlns:a16="http://schemas.microsoft.com/office/drawing/2014/main" id="{41F26D15-5F41-4B6E-88E4-75D98D54452C}"/>
+                <a16:creationId xmlns:a16="http://schemas.microsoft.com/office/drawing/2014/main" xmlns="" id="{41F26D15-5F41-4B6E-88E4-75D98D54452C}"/>
               </a:ext>
             </a:extLst>
           </p:cNvPr>
@@ -11593,7 +11601,7 @@
           <p:cNvPr id="48" name="그림 47">
             <a:extLst>
               <a:ext uri="{FF2B5EF4-FFF2-40B4-BE49-F238E27FC236}">
-                <a16:creationId xmlns="" xmlns:a16="http://schemas.microsoft.com/office/drawing/2014/main" id="{E2FC0911-9C6F-495F-9CE1-A072E9EC5AA3}"/>
+                <a16:creationId xmlns:a16="http://schemas.microsoft.com/office/drawing/2014/main" xmlns="" id="{E2FC0911-9C6F-495F-9CE1-A072E9EC5AA3}"/>
               </a:ext>
             </a:extLst>
           </p:cNvPr>
@@ -11640,7 +11648,7 @@
           <p:cNvPr id="52" name="사각형: 둥근 모서리 51">
             <a:extLst>
               <a:ext uri="{FF2B5EF4-FFF2-40B4-BE49-F238E27FC236}">
-                <a16:creationId xmlns="" xmlns:a16="http://schemas.microsoft.com/office/drawing/2014/main" id="{3E6639DC-C971-468E-8AE6-E7375501DA18}"/>
+                <a16:creationId xmlns:a16="http://schemas.microsoft.com/office/drawing/2014/main" xmlns="" id="{3E6639DC-C971-468E-8AE6-E7375501DA18}"/>
               </a:ext>
             </a:extLst>
           </p:cNvPr>
@@ -11699,7 +11707,7 @@
           <p:cNvPr id="50" name="TextBox 49">
             <a:extLst>
               <a:ext uri="{FF2B5EF4-FFF2-40B4-BE49-F238E27FC236}">
-                <a16:creationId xmlns="" xmlns:a16="http://schemas.microsoft.com/office/drawing/2014/main" id="{0361AB1F-62EC-4A38-B666-1EA5FA04F22B}"/>
+                <a16:creationId xmlns:a16="http://schemas.microsoft.com/office/drawing/2014/main" xmlns="" id="{0361AB1F-62EC-4A38-B666-1EA5FA04F22B}"/>
               </a:ext>
             </a:extLst>
           </p:cNvPr>
@@ -11800,7 +11808,7 @@
           <p:cNvPr id="54" name="타원 53">
             <a:extLst>
               <a:ext uri="{FF2B5EF4-FFF2-40B4-BE49-F238E27FC236}">
-                <a16:creationId xmlns="" xmlns:a16="http://schemas.microsoft.com/office/drawing/2014/main" id="{EC8F186F-E09B-4A42-93BE-0AE22398339B}"/>
+                <a16:creationId xmlns:a16="http://schemas.microsoft.com/office/drawing/2014/main" xmlns="" id="{EC8F186F-E09B-4A42-93BE-0AE22398339B}"/>
               </a:ext>
             </a:extLst>
           </p:cNvPr>
@@ -11854,7 +11862,7 @@
           <p:cNvPr id="55" name="타원 54">
             <a:extLst>
               <a:ext uri="{FF2B5EF4-FFF2-40B4-BE49-F238E27FC236}">
-                <a16:creationId xmlns="" xmlns:a16="http://schemas.microsoft.com/office/drawing/2014/main" id="{AB179075-572A-4C51-AEDE-04C2C93798F8}"/>
+                <a16:creationId xmlns:a16="http://schemas.microsoft.com/office/drawing/2014/main" xmlns="" id="{AB179075-572A-4C51-AEDE-04C2C93798F8}"/>
               </a:ext>
             </a:extLst>
           </p:cNvPr>
@@ -11908,7 +11916,7 @@
           <p:cNvPr id="56" name="타원 55">
             <a:extLst>
               <a:ext uri="{FF2B5EF4-FFF2-40B4-BE49-F238E27FC236}">
-                <a16:creationId xmlns="" xmlns:a16="http://schemas.microsoft.com/office/drawing/2014/main" id="{01D304AF-B03B-4E62-B926-2FC46D523D13}"/>
+                <a16:creationId xmlns:a16="http://schemas.microsoft.com/office/drawing/2014/main" xmlns="" id="{01D304AF-B03B-4E62-B926-2FC46D523D13}"/>
               </a:ext>
             </a:extLst>
           </p:cNvPr>
@@ -11962,7 +11970,7 @@
           <p:cNvPr id="57" name="타원 56">
             <a:extLst>
               <a:ext uri="{FF2B5EF4-FFF2-40B4-BE49-F238E27FC236}">
-                <a16:creationId xmlns="" xmlns:a16="http://schemas.microsoft.com/office/drawing/2014/main" id="{374F2441-DDE5-4DD8-9EDC-6230AFE965A7}"/>
+                <a16:creationId xmlns:a16="http://schemas.microsoft.com/office/drawing/2014/main" xmlns="" id="{374F2441-DDE5-4DD8-9EDC-6230AFE965A7}"/>
               </a:ext>
             </a:extLst>
           </p:cNvPr>
@@ -12016,7 +12024,7 @@
           <p:cNvPr id="58" name="타원 57">
             <a:extLst>
               <a:ext uri="{FF2B5EF4-FFF2-40B4-BE49-F238E27FC236}">
-                <a16:creationId xmlns="" xmlns:a16="http://schemas.microsoft.com/office/drawing/2014/main" id="{F37449BC-8810-4B57-A6EF-2C0368B19B9B}"/>
+                <a16:creationId xmlns:a16="http://schemas.microsoft.com/office/drawing/2014/main" xmlns="" id="{F37449BC-8810-4B57-A6EF-2C0368B19B9B}"/>
               </a:ext>
             </a:extLst>
           </p:cNvPr>
@@ -12070,7 +12078,7 @@
           <p:cNvPr id="59" name="타원 58">
             <a:extLst>
               <a:ext uri="{FF2B5EF4-FFF2-40B4-BE49-F238E27FC236}">
-                <a16:creationId xmlns="" xmlns:a16="http://schemas.microsoft.com/office/drawing/2014/main" id="{C597642D-7503-4326-ABC0-F94231022434}"/>
+                <a16:creationId xmlns:a16="http://schemas.microsoft.com/office/drawing/2014/main" xmlns="" id="{C597642D-7503-4326-ABC0-F94231022434}"/>
               </a:ext>
             </a:extLst>
           </p:cNvPr>
@@ -12124,7 +12132,7 @@
           <p:cNvPr id="60" name="타원 59">
             <a:extLst>
               <a:ext uri="{FF2B5EF4-FFF2-40B4-BE49-F238E27FC236}">
-                <a16:creationId xmlns="" xmlns:a16="http://schemas.microsoft.com/office/drawing/2014/main" id="{F1DE4EE7-4B44-433E-862F-39F8F8205725}"/>
+                <a16:creationId xmlns:a16="http://schemas.microsoft.com/office/drawing/2014/main" xmlns="" id="{F1DE4EE7-4B44-433E-862F-39F8F8205725}"/>
               </a:ext>
             </a:extLst>
           </p:cNvPr>
@@ -12178,7 +12186,7 @@
           <p:cNvPr id="61" name="타원 60">
             <a:extLst>
               <a:ext uri="{FF2B5EF4-FFF2-40B4-BE49-F238E27FC236}">
-                <a16:creationId xmlns="" xmlns:a16="http://schemas.microsoft.com/office/drawing/2014/main" id="{038CB443-31F0-4E88-ACDB-B3A7EFC20717}"/>
+                <a16:creationId xmlns:a16="http://schemas.microsoft.com/office/drawing/2014/main" xmlns="" id="{038CB443-31F0-4E88-ACDB-B3A7EFC20717}"/>
               </a:ext>
             </a:extLst>
           </p:cNvPr>
@@ -12232,7 +12240,7 @@
           <p:cNvPr id="62" name="타원 61">
             <a:extLst>
               <a:ext uri="{FF2B5EF4-FFF2-40B4-BE49-F238E27FC236}">
-                <a16:creationId xmlns="" xmlns:a16="http://schemas.microsoft.com/office/drawing/2014/main" id="{142D10C2-F49B-4AE9-AE6C-2CF29280BDB8}"/>
+                <a16:creationId xmlns:a16="http://schemas.microsoft.com/office/drawing/2014/main" xmlns="" id="{142D10C2-F49B-4AE9-AE6C-2CF29280BDB8}"/>
               </a:ext>
             </a:extLst>
           </p:cNvPr>
@@ -12286,7 +12294,7 @@
           <p:cNvPr id="63" name="타원 62">
             <a:extLst>
               <a:ext uri="{FF2B5EF4-FFF2-40B4-BE49-F238E27FC236}">
-                <a16:creationId xmlns="" xmlns:a16="http://schemas.microsoft.com/office/drawing/2014/main" id="{A9F026F9-6FB5-439D-B191-4FF6E3263452}"/>
+                <a16:creationId xmlns:a16="http://schemas.microsoft.com/office/drawing/2014/main" xmlns="" id="{A9F026F9-6FB5-439D-B191-4FF6E3263452}"/>
               </a:ext>
             </a:extLst>
           </p:cNvPr>
@@ -12340,7 +12348,7 @@
           <p:cNvPr id="67" name="TextBox 66">
             <a:extLst>
               <a:ext uri="{FF2B5EF4-FFF2-40B4-BE49-F238E27FC236}">
-                <a16:creationId xmlns="" xmlns:a16="http://schemas.microsoft.com/office/drawing/2014/main" id="{EB712A5F-6B34-49E5-B929-2C930D2035B1}"/>
+                <a16:creationId xmlns:a16="http://schemas.microsoft.com/office/drawing/2014/main" xmlns="" id="{EB712A5F-6B34-49E5-B929-2C930D2035B1}"/>
               </a:ext>
             </a:extLst>
           </p:cNvPr>
@@ -12442,7 +12450,7 @@
           <p:cNvPr id="68" name="TextBox 67">
             <a:extLst>
               <a:ext uri="{FF2B5EF4-FFF2-40B4-BE49-F238E27FC236}">
-                <a16:creationId xmlns="" xmlns:a16="http://schemas.microsoft.com/office/drawing/2014/main" id="{8FD10182-96E7-4B4F-93F6-FA4ADA272E89}"/>
+                <a16:creationId xmlns:a16="http://schemas.microsoft.com/office/drawing/2014/main" xmlns="" id="{8FD10182-96E7-4B4F-93F6-FA4ADA272E89}"/>
               </a:ext>
             </a:extLst>
           </p:cNvPr>
@@ -12584,7 +12592,7 @@
           <p:cNvPr id="69" name="TextBox 68">
             <a:extLst>
               <a:ext uri="{FF2B5EF4-FFF2-40B4-BE49-F238E27FC236}">
-                <a16:creationId xmlns="" xmlns:a16="http://schemas.microsoft.com/office/drawing/2014/main" id="{DB604B11-A3EC-4923-B4F4-7D00E12B51D8}"/>
+                <a16:creationId xmlns:a16="http://schemas.microsoft.com/office/drawing/2014/main" xmlns="" id="{DB604B11-A3EC-4923-B4F4-7D00E12B51D8}"/>
               </a:ext>
             </a:extLst>
           </p:cNvPr>
@@ -12646,7 +12654,7 @@
           <p:cNvPr id="70" name="직사각형 69">
             <a:extLst>
               <a:ext uri="{FF2B5EF4-FFF2-40B4-BE49-F238E27FC236}">
-                <a16:creationId xmlns="" xmlns:a16="http://schemas.microsoft.com/office/drawing/2014/main" id="{ABF35D03-27D6-468B-A673-A9198238C4F1}"/>
+                <a16:creationId xmlns:a16="http://schemas.microsoft.com/office/drawing/2014/main" xmlns="" id="{ABF35D03-27D6-468B-A673-A9198238C4F1}"/>
               </a:ext>
             </a:extLst>
           </p:cNvPr>
@@ -12707,7 +12715,7 @@
           <p:cNvPr id="72" name="연결선: 꺾임 71">
             <a:extLst>
               <a:ext uri="{FF2B5EF4-FFF2-40B4-BE49-F238E27FC236}">
-                <a16:creationId xmlns="" xmlns:a16="http://schemas.microsoft.com/office/drawing/2014/main" id="{A3B3DE26-7607-499E-95AB-58FA546106CF}"/>
+                <a16:creationId xmlns:a16="http://schemas.microsoft.com/office/drawing/2014/main" xmlns="" id="{A3B3DE26-7607-499E-95AB-58FA546106CF}"/>
               </a:ext>
             </a:extLst>
           </p:cNvPr>
@@ -12753,7 +12761,7 @@
           <p:cNvPr id="74" name="연결선: 꺾임 73">
             <a:extLst>
               <a:ext uri="{FF2B5EF4-FFF2-40B4-BE49-F238E27FC236}">
-                <a16:creationId xmlns="" xmlns:a16="http://schemas.microsoft.com/office/drawing/2014/main" id="{B2227856-0865-4BA7-AD32-88B14864D602}"/>
+                <a16:creationId xmlns:a16="http://schemas.microsoft.com/office/drawing/2014/main" xmlns="" id="{B2227856-0865-4BA7-AD32-88B14864D602}"/>
               </a:ext>
             </a:extLst>
           </p:cNvPr>
@@ -12801,7 +12809,7 @@
           <p:cNvPr id="42" name="그룹 41">
             <a:extLst>
               <a:ext uri="{FF2B5EF4-FFF2-40B4-BE49-F238E27FC236}">
-                <a16:creationId xmlns="" xmlns:a16="http://schemas.microsoft.com/office/drawing/2014/main" id="{98ECF073-F406-402D-923A-C3AF95595FA0}"/>
+                <a16:creationId xmlns:a16="http://schemas.microsoft.com/office/drawing/2014/main" xmlns="" id="{98ECF073-F406-402D-923A-C3AF95595FA0}"/>
               </a:ext>
             </a:extLst>
           </p:cNvPr>
@@ -12821,7 +12829,7 @@
             <p:cNvPr id="43" name="직사각형 42">
               <a:extLst>
                 <a:ext uri="{FF2B5EF4-FFF2-40B4-BE49-F238E27FC236}">
-                  <a16:creationId xmlns="" xmlns:a16="http://schemas.microsoft.com/office/drawing/2014/main" id="{0CFB613C-267E-4E0B-B18F-AD5E0BF0BEBC}"/>
+                  <a16:creationId xmlns:a16="http://schemas.microsoft.com/office/drawing/2014/main" xmlns="" id="{0CFB613C-267E-4E0B-B18F-AD5E0BF0BEBC}"/>
                 </a:ext>
               </a:extLst>
             </p:cNvPr>
@@ -12873,7 +12881,7 @@
             <p:cNvPr id="44" name="TextBox 43">
               <a:extLst>
                 <a:ext uri="{FF2B5EF4-FFF2-40B4-BE49-F238E27FC236}">
-                  <a16:creationId xmlns="" xmlns:a16="http://schemas.microsoft.com/office/drawing/2014/main" id="{F6515F39-A6A7-4D3C-BA5D-136CDE36BBDA}"/>
+                  <a16:creationId xmlns:a16="http://schemas.microsoft.com/office/drawing/2014/main" xmlns="" id="{F6515F39-A6A7-4D3C-BA5D-136CDE36BBDA}"/>
                 </a:ext>
               </a:extLst>
             </p:cNvPr>
@@ -13044,6 +13052,14 @@
   <p:clrMapOvr>
     <a:masterClrMapping/>
   </p:clrMapOvr>
+  <mc:AlternateContent xmlns:mc="http://schemas.openxmlformats.org/markup-compatibility/2006">
+    <mc:Choice xmlns:p14="http://schemas.microsoft.com/office/powerpoint/2010/main" Requires="p14">
+      <p:transition spd="slow" p14:dur="2000"/>
+    </mc:Choice>
+    <mc:Fallback>
+      <p:transition spd="slow"/>
+    </mc:Fallback>
+  </mc:AlternateContent>
   <p:timing>
     <p:tnLst>
       <p:par>
@@ -13055,7 +13071,7 @@
 </file>
 
 <file path=ppt/slides/slide7.xml><?xml version="1.0" encoding="utf-8"?>
-<p:sld xmlns:a="http://schemas.openxmlformats.org/drawingml/2006/main" xmlns:r="http://schemas.openxmlformats.org/officeDocument/2006/relationships" xmlns:p="http://schemas.openxmlformats.org/presentationml/2006/main">
+<p:sld xmlns:a="http://schemas.openxmlformats.org/drawingml/2006/main" xmlns:r="http://schemas.openxmlformats.org/officeDocument/2006/relationships" xmlns:p="http://schemas.openxmlformats.org/presentationml/2006/main" show="0">
   <p:cSld>
     <p:spTree>
       <p:nvGrpSpPr>
@@ -13076,7 +13092,7 @@
           <p:cNvPr id="3" name="직사각형 2">
             <a:extLst>
               <a:ext uri="{FF2B5EF4-FFF2-40B4-BE49-F238E27FC236}">
-                <a16:creationId xmlns="" xmlns:a16="http://schemas.microsoft.com/office/drawing/2014/main" id="{3B95A6AC-09EF-44E3-9994-B2A57E7346B9}"/>
+                <a16:creationId xmlns:a16="http://schemas.microsoft.com/office/drawing/2014/main" xmlns="" id="{3B95A6AC-09EF-44E3-9994-B2A57E7346B9}"/>
               </a:ext>
             </a:extLst>
           </p:cNvPr>
@@ -13130,7 +13146,7 @@
           <p:cNvPr id="6" name="그룹 5">
             <a:extLst>
               <a:ext uri="{FF2B5EF4-FFF2-40B4-BE49-F238E27FC236}">
-                <a16:creationId xmlns="" xmlns:a16="http://schemas.microsoft.com/office/drawing/2014/main" id="{987AFAA8-681B-4811-BFFA-36B0029DFA9D}"/>
+                <a16:creationId xmlns:a16="http://schemas.microsoft.com/office/drawing/2014/main" xmlns="" id="{987AFAA8-681B-4811-BFFA-36B0029DFA9D}"/>
               </a:ext>
             </a:extLst>
           </p:cNvPr>
@@ -13150,7 +13166,7 @@
             <p:cNvPr id="7" name="직사각형 6">
               <a:extLst>
                 <a:ext uri="{FF2B5EF4-FFF2-40B4-BE49-F238E27FC236}">
-                  <a16:creationId xmlns="" xmlns:a16="http://schemas.microsoft.com/office/drawing/2014/main" id="{61219483-4CE2-42F6-B0C6-66D6A72FCEEF}"/>
+                  <a16:creationId xmlns:a16="http://schemas.microsoft.com/office/drawing/2014/main" xmlns="" id="{61219483-4CE2-42F6-B0C6-66D6A72FCEEF}"/>
                 </a:ext>
               </a:extLst>
             </p:cNvPr>
@@ -13202,7 +13218,7 @@
             <p:cNvPr id="8" name="TextBox 7">
               <a:extLst>
                 <a:ext uri="{FF2B5EF4-FFF2-40B4-BE49-F238E27FC236}">
-                  <a16:creationId xmlns="" xmlns:a16="http://schemas.microsoft.com/office/drawing/2014/main" id="{8914249A-C5BC-4C03-BE26-CE41902B6E3E}"/>
+                  <a16:creationId xmlns:a16="http://schemas.microsoft.com/office/drawing/2014/main" xmlns="" id="{8914249A-C5BC-4C03-BE26-CE41902B6E3E}"/>
                 </a:ext>
               </a:extLst>
             </p:cNvPr>
@@ -13371,7 +13387,7 @@
           <p:cNvPr id="12" name="TextBox 11">
             <a:extLst>
               <a:ext uri="{FF2B5EF4-FFF2-40B4-BE49-F238E27FC236}">
-                <a16:creationId xmlns="" xmlns:a16="http://schemas.microsoft.com/office/drawing/2014/main" id="{52D942E3-1CA7-4891-9AB9-EA5339AB372C}"/>
+                <a16:creationId xmlns:a16="http://schemas.microsoft.com/office/drawing/2014/main" xmlns="" id="{52D942E3-1CA7-4891-9AB9-EA5339AB372C}"/>
               </a:ext>
             </a:extLst>
           </p:cNvPr>
@@ -13481,7 +13497,7 @@
             <p:cNvPr id="13" name="그림 12">
               <a:extLst>
                 <a:ext uri="{FF2B5EF4-FFF2-40B4-BE49-F238E27FC236}">
-                  <a16:creationId xmlns="" xmlns:a16="http://schemas.microsoft.com/office/drawing/2014/main" id="{DCA863CB-972C-4096-B5BB-4FE9DBA52EB7}"/>
+                  <a16:creationId xmlns:a16="http://schemas.microsoft.com/office/drawing/2014/main" xmlns="" id="{DCA863CB-972C-4096-B5BB-4FE9DBA52EB7}"/>
                 </a:ext>
               </a:extLst>
             </p:cNvPr>
@@ -13523,7 +13539,7 @@
             <p:cNvPr id="14" name="타원 13">
               <a:extLst>
                 <a:ext uri="{FF2B5EF4-FFF2-40B4-BE49-F238E27FC236}">
-                  <a16:creationId xmlns="" xmlns:a16="http://schemas.microsoft.com/office/drawing/2014/main" id="{B373797F-621E-4078-8BA4-015B4C041690}"/>
+                  <a16:creationId xmlns:a16="http://schemas.microsoft.com/office/drawing/2014/main" xmlns="" id="{B373797F-621E-4078-8BA4-015B4C041690}"/>
                 </a:ext>
               </a:extLst>
             </p:cNvPr>
@@ -13576,7 +13592,7 @@
             <p:cNvPr id="15" name="직선 연결선 14">
               <a:extLst>
                 <a:ext uri="{FF2B5EF4-FFF2-40B4-BE49-F238E27FC236}">
-                  <a16:creationId xmlns="" xmlns:a16="http://schemas.microsoft.com/office/drawing/2014/main" id="{4EC51AB2-0A0D-413D-83F7-F013996A096B}"/>
+                  <a16:creationId xmlns:a16="http://schemas.microsoft.com/office/drawing/2014/main" xmlns="" id="{4EC51AB2-0A0D-413D-83F7-F013996A096B}"/>
                 </a:ext>
               </a:extLst>
             </p:cNvPr>
@@ -13621,7 +13637,7 @@
             <p:cNvPr id="16" name="직선 연결선 15">
               <a:extLst>
                 <a:ext uri="{FF2B5EF4-FFF2-40B4-BE49-F238E27FC236}">
-                  <a16:creationId xmlns="" xmlns:a16="http://schemas.microsoft.com/office/drawing/2014/main" id="{1ADDC85D-1909-4D61-BB71-F90C20369814}"/>
+                  <a16:creationId xmlns:a16="http://schemas.microsoft.com/office/drawing/2014/main" xmlns="" id="{1ADDC85D-1909-4D61-BB71-F90C20369814}"/>
                 </a:ext>
               </a:extLst>
             </p:cNvPr>
@@ -13665,7 +13681,7 @@
             <p:cNvPr id="17" name="원호 16">
               <a:extLst>
                 <a:ext uri="{FF2B5EF4-FFF2-40B4-BE49-F238E27FC236}">
-                  <a16:creationId xmlns="" xmlns:a16="http://schemas.microsoft.com/office/drawing/2014/main" id="{AA8FB02C-7473-4E09-B24F-3151FDF7477B}"/>
+                  <a16:creationId xmlns:a16="http://schemas.microsoft.com/office/drawing/2014/main" xmlns="" id="{AA8FB02C-7473-4E09-B24F-3151FDF7477B}"/>
                 </a:ext>
               </a:extLst>
             </p:cNvPr>
@@ -13718,7 +13734,7 @@
             <p:cNvPr id="18" name="원호 17">
               <a:extLst>
                 <a:ext uri="{FF2B5EF4-FFF2-40B4-BE49-F238E27FC236}">
-                  <a16:creationId xmlns="" xmlns:a16="http://schemas.microsoft.com/office/drawing/2014/main" id="{A64BCFBD-003A-4F69-9BE0-3951CBE5CE09}"/>
+                  <a16:creationId xmlns:a16="http://schemas.microsoft.com/office/drawing/2014/main" xmlns="" id="{A64BCFBD-003A-4F69-9BE0-3951CBE5CE09}"/>
                 </a:ext>
               </a:extLst>
             </p:cNvPr>
@@ -13771,7 +13787,7 @@
             <p:cNvPr id="19" name="원호 18">
               <a:extLst>
                 <a:ext uri="{FF2B5EF4-FFF2-40B4-BE49-F238E27FC236}">
-                  <a16:creationId xmlns="" xmlns:a16="http://schemas.microsoft.com/office/drawing/2014/main" id="{06851CBA-9FD4-4FA4-88CD-9229C05BEDCB}"/>
+                  <a16:creationId xmlns:a16="http://schemas.microsoft.com/office/drawing/2014/main" xmlns="" id="{06851CBA-9FD4-4FA4-88CD-9229C05BEDCB}"/>
                 </a:ext>
               </a:extLst>
             </p:cNvPr>
@@ -13824,7 +13840,7 @@
             <p:cNvPr id="20" name="원호 19">
               <a:extLst>
                 <a:ext uri="{FF2B5EF4-FFF2-40B4-BE49-F238E27FC236}">
-                  <a16:creationId xmlns="" xmlns:a16="http://schemas.microsoft.com/office/drawing/2014/main" id="{BB0B571D-DFEE-4EEF-A820-E82EDED780E7}"/>
+                  <a16:creationId xmlns:a16="http://schemas.microsoft.com/office/drawing/2014/main" xmlns="" id="{BB0B571D-DFEE-4EEF-A820-E82EDED780E7}"/>
                 </a:ext>
               </a:extLst>
             </p:cNvPr>
@@ -13877,7 +13893,7 @@
             <p:cNvPr id="25" name="타원 24">
               <a:extLst>
                 <a:ext uri="{FF2B5EF4-FFF2-40B4-BE49-F238E27FC236}">
-                  <a16:creationId xmlns="" xmlns:a16="http://schemas.microsoft.com/office/drawing/2014/main" id="{EC8F186F-E09B-4A42-93BE-0AE22398339B}"/>
+                  <a16:creationId xmlns:a16="http://schemas.microsoft.com/office/drawing/2014/main" xmlns="" id="{EC8F186F-E09B-4A42-93BE-0AE22398339B}"/>
                 </a:ext>
               </a:extLst>
             </p:cNvPr>
@@ -13931,7 +13947,7 @@
             <p:cNvPr id="26" name="타원 25">
               <a:extLst>
                 <a:ext uri="{FF2B5EF4-FFF2-40B4-BE49-F238E27FC236}">
-                  <a16:creationId xmlns="" xmlns:a16="http://schemas.microsoft.com/office/drawing/2014/main" id="{AB179075-572A-4C51-AEDE-04C2C93798F8}"/>
+                  <a16:creationId xmlns:a16="http://schemas.microsoft.com/office/drawing/2014/main" xmlns="" id="{AB179075-572A-4C51-AEDE-04C2C93798F8}"/>
                 </a:ext>
               </a:extLst>
             </p:cNvPr>
@@ -13985,7 +14001,7 @@
             <p:cNvPr id="27" name="타원 26">
               <a:extLst>
                 <a:ext uri="{FF2B5EF4-FFF2-40B4-BE49-F238E27FC236}">
-                  <a16:creationId xmlns="" xmlns:a16="http://schemas.microsoft.com/office/drawing/2014/main" id="{01D304AF-B03B-4E62-B926-2FC46D523D13}"/>
+                  <a16:creationId xmlns:a16="http://schemas.microsoft.com/office/drawing/2014/main" xmlns="" id="{01D304AF-B03B-4E62-B926-2FC46D523D13}"/>
                 </a:ext>
               </a:extLst>
             </p:cNvPr>
@@ -14039,7 +14055,7 @@
             <p:cNvPr id="28" name="타원 27">
               <a:extLst>
                 <a:ext uri="{FF2B5EF4-FFF2-40B4-BE49-F238E27FC236}">
-                  <a16:creationId xmlns="" xmlns:a16="http://schemas.microsoft.com/office/drawing/2014/main" id="{374F2441-DDE5-4DD8-9EDC-6230AFE965A7}"/>
+                  <a16:creationId xmlns:a16="http://schemas.microsoft.com/office/drawing/2014/main" xmlns="" id="{374F2441-DDE5-4DD8-9EDC-6230AFE965A7}"/>
                 </a:ext>
               </a:extLst>
             </p:cNvPr>
@@ -14093,7 +14109,7 @@
             <p:cNvPr id="29" name="타원 28">
               <a:extLst>
                 <a:ext uri="{FF2B5EF4-FFF2-40B4-BE49-F238E27FC236}">
-                  <a16:creationId xmlns="" xmlns:a16="http://schemas.microsoft.com/office/drawing/2014/main" id="{F37449BC-8810-4B57-A6EF-2C0368B19B9B}"/>
+                  <a16:creationId xmlns:a16="http://schemas.microsoft.com/office/drawing/2014/main" xmlns="" id="{F37449BC-8810-4B57-A6EF-2C0368B19B9B}"/>
                 </a:ext>
               </a:extLst>
             </p:cNvPr>
@@ -14147,7 +14163,7 @@
             <p:cNvPr id="30" name="타원 29">
               <a:extLst>
                 <a:ext uri="{FF2B5EF4-FFF2-40B4-BE49-F238E27FC236}">
-                  <a16:creationId xmlns="" xmlns:a16="http://schemas.microsoft.com/office/drawing/2014/main" id="{C597642D-7503-4326-ABC0-F94231022434}"/>
+                  <a16:creationId xmlns:a16="http://schemas.microsoft.com/office/drawing/2014/main" xmlns="" id="{C597642D-7503-4326-ABC0-F94231022434}"/>
                 </a:ext>
               </a:extLst>
             </p:cNvPr>
@@ -14201,7 +14217,7 @@
             <p:cNvPr id="31" name="타원 30">
               <a:extLst>
                 <a:ext uri="{FF2B5EF4-FFF2-40B4-BE49-F238E27FC236}">
-                  <a16:creationId xmlns="" xmlns:a16="http://schemas.microsoft.com/office/drawing/2014/main" id="{F1DE4EE7-4B44-433E-862F-39F8F8205725}"/>
+                  <a16:creationId xmlns:a16="http://schemas.microsoft.com/office/drawing/2014/main" xmlns="" id="{F1DE4EE7-4B44-433E-862F-39F8F8205725}"/>
                 </a:ext>
               </a:extLst>
             </p:cNvPr>
@@ -14255,7 +14271,7 @@
             <p:cNvPr id="32" name="타원 31">
               <a:extLst>
                 <a:ext uri="{FF2B5EF4-FFF2-40B4-BE49-F238E27FC236}">
-                  <a16:creationId xmlns="" xmlns:a16="http://schemas.microsoft.com/office/drawing/2014/main" id="{038CB443-31F0-4E88-ACDB-B3A7EFC20717}"/>
+                  <a16:creationId xmlns:a16="http://schemas.microsoft.com/office/drawing/2014/main" xmlns="" id="{038CB443-31F0-4E88-ACDB-B3A7EFC20717}"/>
                 </a:ext>
               </a:extLst>
             </p:cNvPr>
@@ -14309,7 +14325,7 @@
             <p:cNvPr id="33" name="타원 32">
               <a:extLst>
                 <a:ext uri="{FF2B5EF4-FFF2-40B4-BE49-F238E27FC236}">
-                  <a16:creationId xmlns="" xmlns:a16="http://schemas.microsoft.com/office/drawing/2014/main" id="{142D10C2-F49B-4AE9-AE6C-2CF29280BDB8}"/>
+                  <a16:creationId xmlns:a16="http://schemas.microsoft.com/office/drawing/2014/main" xmlns="" id="{142D10C2-F49B-4AE9-AE6C-2CF29280BDB8}"/>
                 </a:ext>
               </a:extLst>
             </p:cNvPr>
@@ -14363,7 +14379,7 @@
             <p:cNvPr id="34" name="타원 33">
               <a:extLst>
                 <a:ext uri="{FF2B5EF4-FFF2-40B4-BE49-F238E27FC236}">
-                  <a16:creationId xmlns="" xmlns:a16="http://schemas.microsoft.com/office/drawing/2014/main" id="{A9F026F9-6FB5-439D-B191-4FF6E3263452}"/>
+                  <a16:creationId xmlns:a16="http://schemas.microsoft.com/office/drawing/2014/main" xmlns="" id="{A9F026F9-6FB5-439D-B191-4FF6E3263452}"/>
                 </a:ext>
               </a:extLst>
             </p:cNvPr>
@@ -14432,7 +14448,7 @@
             <p:cNvPr id="9" name="그림 8">
               <a:extLst>
                 <a:ext uri="{FF2B5EF4-FFF2-40B4-BE49-F238E27FC236}">
-                  <a16:creationId xmlns="" xmlns:a16="http://schemas.microsoft.com/office/drawing/2014/main" id="{DCA863CB-972C-4096-B5BB-4FE9DBA52EB7}"/>
+                  <a16:creationId xmlns:a16="http://schemas.microsoft.com/office/drawing/2014/main" xmlns="" id="{DCA863CB-972C-4096-B5BB-4FE9DBA52EB7}"/>
                 </a:ext>
               </a:extLst>
             </p:cNvPr>
@@ -14473,7 +14489,7 @@
             <p:cNvPr id="10" name="TextBox 9">
               <a:extLst>
                 <a:ext uri="{FF2B5EF4-FFF2-40B4-BE49-F238E27FC236}">
-                  <a16:creationId xmlns="" xmlns:a16="http://schemas.microsoft.com/office/drawing/2014/main" id="{52D942E3-1CA7-4891-9AB9-EA5339AB372C}"/>
+                  <a16:creationId xmlns:a16="http://schemas.microsoft.com/office/drawing/2014/main" xmlns="" id="{52D942E3-1CA7-4891-9AB9-EA5339AB372C}"/>
                 </a:ext>
               </a:extLst>
             </p:cNvPr>
@@ -14679,7 +14695,7 @@
           <p:cNvPr id="41" name="TextBox 40">
             <a:extLst>
               <a:ext uri="{FF2B5EF4-FFF2-40B4-BE49-F238E27FC236}">
-                <a16:creationId xmlns="" xmlns:a16="http://schemas.microsoft.com/office/drawing/2014/main" id="{52D942E3-1CA7-4891-9AB9-EA5339AB372C}"/>
+                <a16:creationId xmlns:a16="http://schemas.microsoft.com/office/drawing/2014/main" xmlns="" id="{52D942E3-1CA7-4891-9AB9-EA5339AB372C}"/>
               </a:ext>
             </a:extLst>
           </p:cNvPr>
@@ -14849,6 +14865,14 @@
   <p:clrMapOvr>
     <a:masterClrMapping/>
   </p:clrMapOvr>
+  <mc:AlternateContent xmlns:mc="http://schemas.openxmlformats.org/markup-compatibility/2006">
+    <mc:Choice xmlns:p14="http://schemas.microsoft.com/office/powerpoint/2010/main" Requires="p14">
+      <p:transition spd="slow" p14:dur="2000"/>
+    </mc:Choice>
+    <mc:Fallback>
+      <p:transition spd="slow"/>
+    </mc:Fallback>
+  </mc:AlternateContent>
   <p:timing>
     <p:tnLst>
       <p:par>
@@ -14860,7 +14884,7 @@
 </file>
 
 <file path=ppt/slides/slide8.xml><?xml version="1.0" encoding="utf-8"?>
-<p:sld xmlns:a="http://schemas.openxmlformats.org/drawingml/2006/main" xmlns:r="http://schemas.openxmlformats.org/officeDocument/2006/relationships" xmlns:p="http://schemas.openxmlformats.org/presentationml/2006/main">
+<p:sld xmlns:a="http://schemas.openxmlformats.org/drawingml/2006/main" xmlns:r="http://schemas.openxmlformats.org/officeDocument/2006/relationships" xmlns:p="http://schemas.openxmlformats.org/presentationml/2006/main" show="0">
   <p:cSld>
     <p:spTree>
       <p:nvGrpSpPr>
@@ -14881,7 +14905,7 @@
           <p:cNvPr id="3" name="직사각형 2">
             <a:extLst>
               <a:ext uri="{FF2B5EF4-FFF2-40B4-BE49-F238E27FC236}">
-                <a16:creationId xmlns="" xmlns:a16="http://schemas.microsoft.com/office/drawing/2014/main" id="{3B95A6AC-09EF-44E3-9994-B2A57E7346B9}"/>
+                <a16:creationId xmlns:a16="http://schemas.microsoft.com/office/drawing/2014/main" xmlns="" id="{3B95A6AC-09EF-44E3-9994-B2A57E7346B9}"/>
               </a:ext>
             </a:extLst>
           </p:cNvPr>
@@ -14935,7 +14959,7 @@
           <p:cNvPr id="6" name="그룹 5">
             <a:extLst>
               <a:ext uri="{FF2B5EF4-FFF2-40B4-BE49-F238E27FC236}">
-                <a16:creationId xmlns="" xmlns:a16="http://schemas.microsoft.com/office/drawing/2014/main" id="{987AFAA8-681B-4811-BFFA-36B0029DFA9D}"/>
+                <a16:creationId xmlns:a16="http://schemas.microsoft.com/office/drawing/2014/main" xmlns="" id="{987AFAA8-681B-4811-BFFA-36B0029DFA9D}"/>
               </a:ext>
             </a:extLst>
           </p:cNvPr>
@@ -14955,7 +14979,7 @@
             <p:cNvPr id="7" name="직사각형 6">
               <a:extLst>
                 <a:ext uri="{FF2B5EF4-FFF2-40B4-BE49-F238E27FC236}">
-                  <a16:creationId xmlns="" xmlns:a16="http://schemas.microsoft.com/office/drawing/2014/main" id="{61219483-4CE2-42F6-B0C6-66D6A72FCEEF}"/>
+                  <a16:creationId xmlns:a16="http://schemas.microsoft.com/office/drawing/2014/main" xmlns="" id="{61219483-4CE2-42F6-B0C6-66D6A72FCEEF}"/>
                 </a:ext>
               </a:extLst>
             </p:cNvPr>
@@ -15007,7 +15031,7 @@
             <p:cNvPr id="8" name="TextBox 7">
               <a:extLst>
                 <a:ext uri="{FF2B5EF4-FFF2-40B4-BE49-F238E27FC236}">
-                  <a16:creationId xmlns="" xmlns:a16="http://schemas.microsoft.com/office/drawing/2014/main" id="{8914249A-C5BC-4C03-BE26-CE41902B6E3E}"/>
+                  <a16:creationId xmlns:a16="http://schemas.microsoft.com/office/drawing/2014/main" xmlns="" id="{8914249A-C5BC-4C03-BE26-CE41902B6E3E}"/>
                 </a:ext>
               </a:extLst>
             </p:cNvPr>
@@ -15176,7 +15200,7 @@
           <p:cNvPr id="12" name="TextBox 11">
             <a:extLst>
               <a:ext uri="{FF2B5EF4-FFF2-40B4-BE49-F238E27FC236}">
-                <a16:creationId xmlns="" xmlns:a16="http://schemas.microsoft.com/office/drawing/2014/main" id="{52D942E3-1CA7-4891-9AB9-EA5339AB372C}"/>
+                <a16:creationId xmlns:a16="http://schemas.microsoft.com/office/drawing/2014/main" xmlns="" id="{52D942E3-1CA7-4891-9AB9-EA5339AB372C}"/>
               </a:ext>
             </a:extLst>
           </p:cNvPr>
@@ -15272,7 +15296,7 @@
           <p:cNvPr id="10" name="TextBox 9">
             <a:extLst>
               <a:ext uri="{FF2B5EF4-FFF2-40B4-BE49-F238E27FC236}">
-                <a16:creationId xmlns="" xmlns:a16="http://schemas.microsoft.com/office/drawing/2014/main" id="{52D942E3-1CA7-4891-9AB9-EA5339AB372C}"/>
+                <a16:creationId xmlns:a16="http://schemas.microsoft.com/office/drawing/2014/main" xmlns="" id="{52D942E3-1CA7-4891-9AB9-EA5339AB372C}"/>
               </a:ext>
             </a:extLst>
           </p:cNvPr>
@@ -15368,7 +15392,7 @@
           <p:cNvPr id="41" name="TextBox 40">
             <a:extLst>
               <a:ext uri="{FF2B5EF4-FFF2-40B4-BE49-F238E27FC236}">
-                <a16:creationId xmlns="" xmlns:a16="http://schemas.microsoft.com/office/drawing/2014/main" id="{52D942E3-1CA7-4891-9AB9-EA5339AB372C}"/>
+                <a16:creationId xmlns:a16="http://schemas.microsoft.com/office/drawing/2014/main" xmlns="" id="{52D942E3-1CA7-4891-9AB9-EA5339AB372C}"/>
               </a:ext>
             </a:extLst>
           </p:cNvPr>
@@ -15533,7 +15557,7 @@
             <p:cNvPr id="40" name="직사각형 39">
               <a:extLst>
                 <a:ext uri="{FF2B5EF4-FFF2-40B4-BE49-F238E27FC236}">
-                  <a16:creationId xmlns="" xmlns:a16="http://schemas.microsoft.com/office/drawing/2014/main" id="{61219483-4CE2-42F6-B0C6-66D6A72FCEEF}"/>
+                  <a16:creationId xmlns:a16="http://schemas.microsoft.com/office/drawing/2014/main" xmlns="" id="{61219483-4CE2-42F6-B0C6-66D6A72FCEEF}"/>
                 </a:ext>
               </a:extLst>
             </p:cNvPr>
@@ -15690,7 +15714,7 @@
             <p:cNvPr id="45" name="직사각형 44">
               <a:extLst>
                 <a:ext uri="{FF2B5EF4-FFF2-40B4-BE49-F238E27FC236}">
-                  <a16:creationId xmlns="" xmlns:a16="http://schemas.microsoft.com/office/drawing/2014/main" id="{61219483-4CE2-42F6-B0C6-66D6A72FCEEF}"/>
+                  <a16:creationId xmlns:a16="http://schemas.microsoft.com/office/drawing/2014/main" xmlns="" id="{61219483-4CE2-42F6-B0C6-66D6A72FCEEF}"/>
                 </a:ext>
               </a:extLst>
             </p:cNvPr>
@@ -16181,7 +16205,7 @@
             <p:cNvPr id="23" name="직사각형 22">
               <a:extLst>
                 <a:ext uri="{FF2B5EF4-FFF2-40B4-BE49-F238E27FC236}">
-                  <a16:creationId xmlns="" xmlns:a16="http://schemas.microsoft.com/office/drawing/2014/main" id="{61219483-4CE2-42F6-B0C6-66D6A72FCEEF}"/>
+                  <a16:creationId xmlns:a16="http://schemas.microsoft.com/office/drawing/2014/main" xmlns="" id="{61219483-4CE2-42F6-B0C6-66D6A72FCEEF}"/>
                 </a:ext>
               </a:extLst>
             </p:cNvPr>
@@ -16391,6 +16415,14 @@
   <p:clrMapOvr>
     <a:masterClrMapping/>
   </p:clrMapOvr>
+  <mc:AlternateContent xmlns:mc="http://schemas.openxmlformats.org/markup-compatibility/2006">
+    <mc:Choice xmlns:p14="http://schemas.microsoft.com/office/powerpoint/2010/main" Requires="p14">
+      <p:transition spd="slow" p14:dur="2000"/>
+    </mc:Choice>
+    <mc:Fallback>
+      <p:transition spd="slow"/>
+    </mc:Fallback>
+  </mc:AlternateContent>
   <p:timing>
     <p:tnLst>
       <p:par>
@@ -16423,7 +16455,7 @@
           <p:cNvPr id="3" name="직사각형 2">
             <a:extLst>
               <a:ext uri="{FF2B5EF4-FFF2-40B4-BE49-F238E27FC236}">
-                <a16:creationId xmlns="" xmlns:a16="http://schemas.microsoft.com/office/drawing/2014/main" id="{24226CFB-2449-4A2B-B168-A1DE28C29CF7}"/>
+                <a16:creationId xmlns:a16="http://schemas.microsoft.com/office/drawing/2014/main" xmlns="" id="{24226CFB-2449-4A2B-B168-A1DE28C29CF7}"/>
               </a:ext>
             </a:extLst>
           </p:cNvPr>
@@ -16477,7 +16509,7 @@
           <p:cNvPr id="8" name="그룹 7">
             <a:extLst>
               <a:ext uri="{FF2B5EF4-FFF2-40B4-BE49-F238E27FC236}">
-                <a16:creationId xmlns="" xmlns:a16="http://schemas.microsoft.com/office/drawing/2014/main" id="{03EEAEDF-B653-4BFA-9C68-E1E2055CDAC5}"/>
+                <a16:creationId xmlns:a16="http://schemas.microsoft.com/office/drawing/2014/main" xmlns="" id="{03EEAEDF-B653-4BFA-9C68-E1E2055CDAC5}"/>
               </a:ext>
             </a:extLst>
           </p:cNvPr>
@@ -16497,7 +16529,7 @@
             <p:cNvPr id="9" name="직사각형 8">
               <a:extLst>
                 <a:ext uri="{FF2B5EF4-FFF2-40B4-BE49-F238E27FC236}">
-                  <a16:creationId xmlns="" xmlns:a16="http://schemas.microsoft.com/office/drawing/2014/main" id="{2CF55043-03B0-4792-827C-4B8CC375DCF5}"/>
+                  <a16:creationId xmlns:a16="http://schemas.microsoft.com/office/drawing/2014/main" xmlns="" id="{2CF55043-03B0-4792-827C-4B8CC375DCF5}"/>
                 </a:ext>
               </a:extLst>
             </p:cNvPr>
@@ -16549,7 +16581,7 @@
             <p:cNvPr id="10" name="TextBox 9">
               <a:extLst>
                 <a:ext uri="{FF2B5EF4-FFF2-40B4-BE49-F238E27FC236}">
-                  <a16:creationId xmlns="" xmlns:a16="http://schemas.microsoft.com/office/drawing/2014/main" id="{236D3228-211E-4B31-A0BB-2C8A9FE67D13}"/>
+                  <a16:creationId xmlns:a16="http://schemas.microsoft.com/office/drawing/2014/main" xmlns="" id="{236D3228-211E-4B31-A0BB-2C8A9FE67D13}"/>
                 </a:ext>
               </a:extLst>
             </p:cNvPr>
@@ -16646,7 +16678,7 @@
           <p:cNvPr id="16" name="직사각형 15">
             <a:extLst>
               <a:ext uri="{FF2B5EF4-FFF2-40B4-BE49-F238E27FC236}">
-                <a16:creationId xmlns="" xmlns:a16="http://schemas.microsoft.com/office/drawing/2014/main" id="{D1BE7D09-4364-458D-BCFF-98D205437C37}"/>
+                <a16:creationId xmlns:a16="http://schemas.microsoft.com/office/drawing/2014/main" xmlns="" id="{D1BE7D09-4364-458D-BCFF-98D205437C37}"/>
               </a:ext>
             </a:extLst>
           </p:cNvPr>
@@ -16698,7 +16730,7 @@
           <p:cNvPr id="17" name="직사각형 16">
             <a:extLst>
               <a:ext uri="{FF2B5EF4-FFF2-40B4-BE49-F238E27FC236}">
-                <a16:creationId xmlns="" xmlns:a16="http://schemas.microsoft.com/office/drawing/2014/main" id="{D1BE7D09-4364-458D-BCFF-98D205437C37}"/>
+                <a16:creationId xmlns:a16="http://schemas.microsoft.com/office/drawing/2014/main" xmlns="" id="{D1BE7D09-4364-458D-BCFF-98D205437C37}"/>
               </a:ext>
             </a:extLst>
           </p:cNvPr>
@@ -16980,6 +17012,14 @@
   <p:clrMapOvr>
     <a:masterClrMapping/>
   </p:clrMapOvr>
+  <mc:AlternateContent xmlns:mc="http://schemas.openxmlformats.org/markup-compatibility/2006">
+    <mc:Choice xmlns:p14="http://schemas.microsoft.com/office/powerpoint/2010/main" Requires="p14">
+      <p:transition spd="slow" p14:dur="2000"/>
+    </mc:Choice>
+    <mc:Fallback>
+      <p:transition spd="slow"/>
+    </mc:Fallback>
+  </mc:AlternateContent>
   <p:timing>
     <p:tnLst>
       <p:par>
